--- a/images/theory_analysis/Nginx_Architecture/Nginx_Architecture.pptx
+++ b/images/theory_analysis/Nginx_Architecture/Nginx_Architecture.pptx
@@ -5,12 +5,13 @@
     <p:sldMasterId id="2147483648" r:id="rId1"/>
   </p:sldMasterIdLst>
   <p:notesMasterIdLst>
-    <p:notesMasterId r:id="rId5"/>
+    <p:notesMasterId r:id="rId6"/>
   </p:notesMasterIdLst>
   <p:sldIdLst>
     <p:sldId id="421" r:id="rId2"/>
     <p:sldId id="422" r:id="rId3"/>
-    <p:sldId id="420" r:id="rId4"/>
+    <p:sldId id="423" r:id="rId4"/>
+    <p:sldId id="420" r:id="rId5"/>
   </p:sldIdLst>
   <p:sldSz cx="9144000" cy="5143500" type="screen16x9"/>
   <p:notesSz cx="6858000" cy="9144000"/>
@@ -664,6 +665,106 @@
             <a:fld id="{BA5DFA43-8D57-47FB-BC46-057616015C3B}" type="slidenum">
               <a:rPr lang="ko-KR" altLang="en-US" smtClean="0"/>
               <a:t>3</a:t>
+            </a:fld>
+            <a:endParaRPr lang="ko-KR" altLang="en-US"/>
+          </a:p>
+        </p:txBody>
+      </p:sp>
+    </p:spTree>
+    <p:extLst>
+      <p:ext uri="{BB962C8B-B14F-4D97-AF65-F5344CB8AC3E}">
+        <p14:creationId xmlns:p14="http://schemas.microsoft.com/office/powerpoint/2010/main" val="906865280"/>
+      </p:ext>
+    </p:extLst>
+  </p:cSld>
+  <p:clrMapOvr>
+    <a:masterClrMapping/>
+  </p:clrMapOvr>
+</p:notes>
+</file>
+
+<file path=ppt/notesSlides/notesSlide3.xml><?xml version="1.0" encoding="utf-8"?>
+<p:notes xmlns:a="http://schemas.openxmlformats.org/drawingml/2006/main" xmlns:r="http://schemas.openxmlformats.org/officeDocument/2006/relationships" xmlns:p="http://schemas.openxmlformats.org/presentationml/2006/main">
+  <p:cSld>
+    <p:spTree>
+      <p:nvGrpSpPr>
+        <p:cNvPr id="1" name=""/>
+        <p:cNvGrpSpPr/>
+        <p:nvPr/>
+      </p:nvGrpSpPr>
+      <p:grpSpPr>
+        <a:xfrm>
+          <a:off x="0" y="0"/>
+          <a:ext cx="0" cy="0"/>
+          <a:chOff x="0" y="0"/>
+          <a:chExt cx="0" cy="0"/>
+        </a:xfrm>
+      </p:grpSpPr>
+      <p:sp>
+        <p:nvSpPr>
+          <p:cNvPr id="2" name="슬라이드 이미지 개체 틀 1"/>
+          <p:cNvSpPr>
+            <a:spLocks noGrp="1" noRot="1" noChangeAspect="1"/>
+          </p:cNvSpPr>
+          <p:nvPr>
+            <p:ph type="sldImg"/>
+          </p:nvPr>
+        </p:nvSpPr>
+        <p:spPr/>
+      </p:sp>
+      <p:sp>
+        <p:nvSpPr>
+          <p:cNvPr id="3" name="슬라이드 노트 개체 틀 2"/>
+          <p:cNvSpPr>
+            <a:spLocks noGrp="1"/>
+          </p:cNvSpPr>
+          <p:nvPr>
+            <p:ph type="body" idx="1"/>
+          </p:nvPr>
+        </p:nvSpPr>
+        <p:spPr/>
+        <p:txBody>
+          <a:bodyPr/>
+          <a:lstStyle/>
+          <a:p>
+            <a:r>
+              <a:rPr lang="en-US" altLang="ko-KR" dirty="0"/>
+              <a:t>1. </a:t>
+            </a:r>
+            <a:r>
+              <a:rPr lang="en-US" altLang="ko-KR" dirty="0" err="1"/>
+              <a:t>AppArmor</a:t>
+            </a:r>
+            <a:r>
+              <a:rPr lang="en-US" altLang="ko-KR" baseline="0" dirty="0"/>
+              <a:t> </a:t>
+            </a:r>
+            <a:r>
+              <a:rPr lang="ko-KR" altLang="en-US" baseline="0" dirty="0"/>
+              <a:t>변경 권한</a:t>
+            </a:r>
+            <a:endParaRPr lang="ko-KR" altLang="en-US" dirty="0"/>
+          </a:p>
+        </p:txBody>
+      </p:sp>
+      <p:sp>
+        <p:nvSpPr>
+          <p:cNvPr id="4" name="슬라이드 번호 개체 틀 3"/>
+          <p:cNvSpPr>
+            <a:spLocks noGrp="1"/>
+          </p:cNvSpPr>
+          <p:nvPr>
+            <p:ph type="sldNum" sz="quarter" idx="10"/>
+          </p:nvPr>
+        </p:nvSpPr>
+        <p:spPr/>
+        <p:txBody>
+          <a:bodyPr/>
+          <a:lstStyle/>
+          <a:p>
+            <a:fld id="{BA5DFA43-8D57-47FB-BC46-057616015C3B}" type="slidenum">
+              <a:rPr lang="ko-KR" altLang="en-US" smtClean="0"/>
+              <a:t>4</a:t>
             </a:fld>
             <a:endParaRPr lang="ko-KR" altLang="en-US"/>
           </a:p>
@@ -3603,8 +3704,8 @@
         </p:nvSpPr>
         <p:spPr>
           <a:xfrm>
-            <a:off x="2381126" y="1952128"/>
-            <a:ext cx="3771900" cy="1905038"/>
+            <a:off x="2381126" y="1220119"/>
+            <a:ext cx="3771900" cy="2121059"/>
           </a:xfrm>
           <a:prstGeom prst="roundRect">
             <a:avLst>
@@ -3654,7 +3755,7 @@
         </p:nvSpPr>
         <p:spPr>
           <a:xfrm>
-            <a:off x="457200" y="-20538"/>
+            <a:off x="457200" y="-452586"/>
             <a:ext cx="8229600" cy="857250"/>
           </a:xfrm>
         </p:spPr>
@@ -3694,8 +3795,8 @@
         </p:nvSpPr>
         <p:spPr>
           <a:xfrm>
-            <a:off x="2483768" y="1030596"/>
-            <a:ext cx="3564048" cy="504056"/>
+            <a:off x="2483768" y="411510"/>
+            <a:ext cx="3564048" cy="391134"/>
           </a:xfrm>
           <a:prstGeom prst="roundRect">
             <a:avLst>
@@ -3723,10 +3824,10 @@
           <a:p>
             <a:pPr algn="ctr"/>
             <a:r>
-              <a:rPr lang="en-US" altLang="ko-KR" sz="1600"/>
-              <a:t>Master</a:t>
-            </a:r>
-            <a:endParaRPr lang="ko-KR" altLang="en-US" sz="1600" dirty="0"/>
+              <a:rPr lang="en-US" altLang="ko-KR" sz="1400"/>
+              <a:t>Master Process</a:t>
+            </a:r>
+            <a:endParaRPr lang="ko-KR" altLang="en-US" sz="1400" dirty="0"/>
           </a:p>
         </p:txBody>
       </p:sp>
@@ -3744,8 +3845,8 @@
         </p:nvSpPr>
         <p:spPr>
           <a:xfrm>
-            <a:off x="2483768" y="2056978"/>
-            <a:ext cx="1080120" cy="1440161"/>
+            <a:off x="2483768" y="1324970"/>
+            <a:ext cx="1080120" cy="1666900"/>
           </a:xfrm>
           <a:prstGeom prst="roundRect">
             <a:avLst>
@@ -3776,7 +3877,21 @@
               <a:rPr lang="en-US" altLang="ko-KR" sz="1400"/>
               <a:t>Worker</a:t>
             </a:r>
-            <a:endParaRPr lang="ko-KR" altLang="en-US" sz="1400" dirty="0"/>
+          </a:p>
+          <a:p>
+            <a:pPr algn="ctr"/>
+            <a:r>
+              <a:rPr lang="en-US" altLang="ko-KR" sz="1400"/>
+              <a:t>Process/</a:t>
+            </a:r>
+          </a:p>
+          <a:p>
+            <a:pPr algn="ctr"/>
+            <a:r>
+              <a:rPr lang="en-US" altLang="ko-KR" sz="1400"/>
+              <a:t>Thread</a:t>
+            </a:r>
+            <a:endParaRPr lang="ko-KR" altLang="en-US" sz="1200" dirty="0"/>
           </a:p>
         </p:txBody>
       </p:sp>
@@ -3794,8 +3909,8 @@
         </p:nvSpPr>
         <p:spPr>
           <a:xfrm>
-            <a:off x="4967696" y="2056978"/>
-            <a:ext cx="1080120" cy="1440161"/>
+            <a:off x="4967696" y="1324970"/>
+            <a:ext cx="1080120" cy="1666895"/>
           </a:xfrm>
           <a:prstGeom prst="roundRect">
             <a:avLst>
@@ -3825,6 +3940,20 @@
             <a:r>
               <a:rPr lang="en-US" altLang="ko-KR" sz="1400"/>
               <a:t>Worker</a:t>
+            </a:r>
+          </a:p>
+          <a:p>
+            <a:pPr algn="ctr"/>
+            <a:r>
+              <a:rPr lang="en-US" altLang="ko-KR" sz="1400"/>
+              <a:t>Process/</a:t>
+            </a:r>
+          </a:p>
+          <a:p>
+            <a:pPr algn="ctr"/>
+            <a:r>
+              <a:rPr lang="en-US" altLang="ko-KR" sz="1400"/>
+              <a:t>Thread</a:t>
             </a:r>
             <a:endParaRPr lang="ko-KR" altLang="en-US" sz="1400" dirty="0"/>
           </a:p>
@@ -3844,8 +3973,8 @@
         </p:nvSpPr>
         <p:spPr>
           <a:xfrm>
-            <a:off x="3725732" y="2056978"/>
-            <a:ext cx="1080120" cy="1440161"/>
+            <a:off x="3725732" y="1324970"/>
+            <a:ext cx="1080120" cy="1666895"/>
           </a:xfrm>
           <a:prstGeom prst="roundRect">
             <a:avLst>
@@ -3875,6 +4004,20 @@
             <a:r>
               <a:rPr lang="en-US" altLang="ko-KR" sz="1400"/>
               <a:t>Worker</a:t>
+            </a:r>
+          </a:p>
+          <a:p>
+            <a:pPr algn="ctr"/>
+            <a:r>
+              <a:rPr lang="en-US" altLang="ko-KR" sz="1400"/>
+              <a:t>Process/</a:t>
+            </a:r>
+          </a:p>
+          <a:p>
+            <a:pPr algn="ctr"/>
+            <a:r>
+              <a:rPr lang="en-US" altLang="ko-KR" sz="1400"/>
+              <a:t>Thread</a:t>
             </a:r>
             <a:endParaRPr lang="ko-KR" altLang="en-US" sz="1400" dirty="0"/>
           </a:p>
@@ -3894,7 +4037,7 @@
         </p:nvSpPr>
         <p:spPr>
           <a:xfrm>
-            <a:off x="2483768" y="4270784"/>
+            <a:off x="2483768" y="3754800"/>
             <a:ext cx="3564048" cy="605222"/>
           </a:xfrm>
           <a:prstGeom prst="roundRect">
@@ -3923,7 +4066,7 @@
           <a:p>
             <a:pPr algn="ctr"/>
             <a:r>
-              <a:rPr lang="en-US" altLang="ko-KR" sz="1600"/>
+              <a:rPr lang="en-US" altLang="ko-KR" sz="1400"/>
               <a:t>Cache </a:t>
             </a:r>
           </a:p>
@@ -3951,7 +4094,7 @@
         </p:nvSpPr>
         <p:spPr>
           <a:xfrm>
-            <a:off x="2771800" y="2345011"/>
+            <a:off x="2771800" y="1424028"/>
             <a:ext cx="504056" cy="504056"/>
           </a:xfrm>
           <a:prstGeom prst="circularArrow">
@@ -4013,7 +4156,7 @@
         </p:nvSpPr>
         <p:spPr>
           <a:xfrm>
-            <a:off x="4010236" y="2345011"/>
+            <a:off x="4010236" y="1424028"/>
             <a:ext cx="504056" cy="504056"/>
           </a:xfrm>
           <a:prstGeom prst="circularArrow">
@@ -4075,7 +4218,7 @@
         </p:nvSpPr>
         <p:spPr>
           <a:xfrm>
-            <a:off x="5255728" y="2345011"/>
+            <a:off x="5255728" y="1424028"/>
             <a:ext cx="504056" cy="504056"/>
           </a:xfrm>
           <a:prstGeom prst="circularArrow">
@@ -4137,7 +4280,7 @@
         </p:nvSpPr>
         <p:spPr>
           <a:xfrm>
-            <a:off x="104075" y="2766828"/>
+            <a:off x="104075" y="1890235"/>
             <a:ext cx="1259792" cy="504056"/>
           </a:xfrm>
           <a:prstGeom prst="roundRect">
@@ -4187,7 +4330,7 @@
         </p:nvSpPr>
         <p:spPr>
           <a:xfrm>
-            <a:off x="1244982" y="2554685"/>
+            <a:off x="1244982" y="1688978"/>
             <a:ext cx="1296144" cy="252028"/>
           </a:xfrm>
           <a:prstGeom prst="roundRect">
@@ -4246,8 +4389,8 @@
         </p:nvSpPr>
         <p:spPr>
           <a:xfrm>
-            <a:off x="7187108" y="1807701"/>
-            <a:ext cx="1900237" cy="2193892"/>
+            <a:off x="7187108" y="1220117"/>
+            <a:ext cx="1900237" cy="2121059"/>
           </a:xfrm>
           <a:prstGeom prst="roundRect">
             <a:avLst>
@@ -4299,7 +4442,7 @@
         </p:nvSpPr>
         <p:spPr>
           <a:xfrm>
-            <a:off x="7284969" y="3113647"/>
+            <a:off x="7284969" y="2530836"/>
             <a:ext cx="1704516" cy="504056"/>
           </a:xfrm>
           <a:prstGeom prst="roundRect">
@@ -4349,7 +4492,7 @@
         </p:nvSpPr>
         <p:spPr>
           <a:xfrm>
-            <a:off x="7284969" y="2505237"/>
+            <a:off x="7284969" y="1922426"/>
             <a:ext cx="1704516" cy="504056"/>
           </a:xfrm>
           <a:prstGeom prst="roundRect">
@@ -4399,7 +4542,7 @@
         </p:nvSpPr>
         <p:spPr>
           <a:xfrm>
-            <a:off x="7284969" y="1896827"/>
+            <a:off x="7284969" y="1314016"/>
             <a:ext cx="1704516" cy="504056"/>
           </a:xfrm>
           <a:prstGeom prst="roundRect">
@@ -4446,13 +4589,12 @@
           </p:cNvPr>
           <p:cNvCxnSpPr>
             <a:cxnSpLocks/>
-            <a:endCxn id="45" idx="1"/>
           </p:cNvCxnSpPr>
           <p:nvPr/>
         </p:nvCxnSpPr>
         <p:spPr>
           <a:xfrm>
-            <a:off x="3563888" y="2904647"/>
+            <a:off x="3563888" y="2038940"/>
             <a:ext cx="3623220" cy="0"/>
           </a:xfrm>
           <a:prstGeom prst="straightConnector1">
@@ -4495,7 +4637,7 @@
         </p:nvSpPr>
         <p:spPr>
           <a:xfrm>
-            <a:off x="6026121" y="2310445"/>
+            <a:off x="6026121" y="1444738"/>
             <a:ext cx="1296144" cy="538622"/>
           </a:xfrm>
           <a:prstGeom prst="roundRect">
@@ -4564,8 +4706,8 @@
         </p:nvCxnSpPr>
         <p:spPr>
           <a:xfrm flipV="1">
-            <a:off x="4265792" y="3857166"/>
-            <a:ext cx="1284" cy="413618"/>
+            <a:off x="4265792" y="3341178"/>
+            <a:ext cx="1284" cy="413622"/>
           </a:xfrm>
           <a:prstGeom prst="straightConnector1">
             <a:avLst/>
@@ -4607,7 +4749,7 @@
         </p:nvSpPr>
         <p:spPr>
           <a:xfrm>
-            <a:off x="4211612" y="3937961"/>
+            <a:off x="4184397" y="3421977"/>
             <a:ext cx="1296144" cy="252028"/>
           </a:xfrm>
           <a:prstGeom prst="roundRect">
@@ -4659,7 +4801,7 @@
         </p:nvSpPr>
         <p:spPr>
           <a:xfrm>
-            <a:off x="4211960" y="1615447"/>
+            <a:off x="4211960" y="883439"/>
             <a:ext cx="1296144" cy="252028"/>
           </a:xfrm>
           <a:prstGeom prst="roundRect">
@@ -4721,8 +4863,8 @@
         </p:nvCxnSpPr>
         <p:spPr>
           <a:xfrm flipH="1" flipV="1">
-            <a:off x="4265792" y="1534652"/>
-            <a:ext cx="1284" cy="417476"/>
+            <a:off x="4265792" y="802644"/>
+            <a:ext cx="1284" cy="417475"/>
           </a:xfrm>
           <a:prstGeom prst="straightConnector1">
             <a:avLst/>
@@ -4766,7 +4908,7 @@
         </p:nvCxnSpPr>
         <p:spPr>
           <a:xfrm>
-            <a:off x="1363867" y="3009885"/>
+            <a:off x="1363867" y="2144178"/>
             <a:ext cx="2361865" cy="0"/>
           </a:xfrm>
           <a:prstGeom prst="straightConnector1">
@@ -4811,7 +4953,7 @@
         </p:nvCxnSpPr>
         <p:spPr>
           <a:xfrm>
-            <a:off x="4805852" y="3013286"/>
+            <a:off x="4805852" y="2147579"/>
             <a:ext cx="2381256" cy="0"/>
           </a:xfrm>
           <a:prstGeom prst="straightConnector1">
@@ -4856,7 +4998,7 @@
         </p:nvCxnSpPr>
         <p:spPr>
           <a:xfrm>
-            <a:off x="1363867" y="3113647"/>
+            <a:off x="1363867" y="2247940"/>
             <a:ext cx="3603829" cy="0"/>
           </a:xfrm>
           <a:prstGeom prst="straightConnector1">
@@ -4901,7 +5043,7 @@
         </p:nvCxnSpPr>
         <p:spPr>
           <a:xfrm>
-            <a:off x="6047816" y="3113647"/>
+            <a:off x="6047816" y="2247940"/>
             <a:ext cx="1139292" cy="0"/>
           </a:xfrm>
           <a:prstGeom prst="straightConnector1">
@@ -4946,8 +5088,197 @@
         </p:nvCxnSpPr>
         <p:spPr>
           <a:xfrm>
-            <a:off x="1363867" y="2904647"/>
+            <a:off x="1363867" y="2038940"/>
             <a:ext cx="1119901" cy="0"/>
+          </a:xfrm>
+          <a:prstGeom prst="straightConnector1">
+            <a:avLst/>
+          </a:prstGeom>
+          <a:ln w="28575">
+            <a:solidFill>
+              <a:schemeClr val="tx1"/>
+            </a:solidFill>
+            <a:headEnd type="arrow" w="med" len="med"/>
+            <a:tailEnd type="arrow" w="med" len="med"/>
+          </a:ln>
+        </p:spPr>
+        <p:style>
+          <a:lnRef idx="1">
+            <a:schemeClr val="accent1"/>
+          </a:lnRef>
+          <a:fillRef idx="0">
+            <a:schemeClr val="accent1"/>
+          </a:fillRef>
+          <a:effectRef idx="0">
+            <a:schemeClr val="accent1"/>
+          </a:effectRef>
+          <a:fontRef idx="minor">
+            <a:schemeClr val="tx1"/>
+          </a:fontRef>
+        </p:style>
+      </p:cxnSp>
+      <p:sp>
+        <p:nvSpPr>
+          <p:cNvPr id="34" name="모서리가 둥근 직사각형 3">
+            <a:extLst>
+              <a:ext uri="{FF2B5EF4-FFF2-40B4-BE49-F238E27FC236}">
+                <a16:creationId xmlns:a16="http://schemas.microsoft.com/office/drawing/2014/main" id="{E23AEF04-1B29-45F4-BA81-9EC4FD0492AF}"/>
+              </a:ext>
+            </a:extLst>
+          </p:cNvPr>
+          <p:cNvSpPr/>
+          <p:nvPr/>
+        </p:nvSpPr>
+        <p:spPr>
+          <a:xfrm>
+            <a:off x="2483768" y="4619068"/>
+            <a:ext cx="1700629" cy="432048"/>
+          </a:xfrm>
+          <a:prstGeom prst="roundRect">
+            <a:avLst>
+              <a:gd name="adj" fmla="val 19476"/>
+            </a:avLst>
+          </a:prstGeom>
+        </p:spPr>
+        <p:style>
+          <a:lnRef idx="2">
+            <a:schemeClr val="dk1"/>
+          </a:lnRef>
+          <a:fillRef idx="1">
+            <a:schemeClr val="lt1"/>
+          </a:fillRef>
+          <a:effectRef idx="0">
+            <a:schemeClr val="dk1"/>
+          </a:effectRef>
+          <a:fontRef idx="minor">
+            <a:schemeClr val="dk1"/>
+          </a:fontRef>
+        </p:style>
+        <p:txBody>
+          <a:bodyPr rtlCol="0" anchor="ctr"/>
+          <a:lstStyle/>
+          <a:p>
+            <a:pPr algn="ctr"/>
+            <a:r>
+              <a:rPr lang="en-US" altLang="ko-KR" sz="1400"/>
+              <a:t>Cache Loader Process </a:t>
+            </a:r>
+          </a:p>
+        </p:txBody>
+      </p:sp>
+      <p:sp>
+        <p:nvSpPr>
+          <p:cNvPr id="35" name="모서리가 둥근 직사각형 3">
+            <a:extLst>
+              <a:ext uri="{FF2B5EF4-FFF2-40B4-BE49-F238E27FC236}">
+                <a16:creationId xmlns:a16="http://schemas.microsoft.com/office/drawing/2014/main" id="{7651E8AF-A3B1-4480-B83B-78C0111A5AFB}"/>
+              </a:ext>
+            </a:extLst>
+          </p:cNvPr>
+          <p:cNvSpPr/>
+          <p:nvPr/>
+        </p:nvSpPr>
+        <p:spPr>
+          <a:xfrm>
+            <a:off x="4347187" y="4619068"/>
+            <a:ext cx="1700629" cy="432048"/>
+          </a:xfrm>
+          <a:prstGeom prst="roundRect">
+            <a:avLst>
+              <a:gd name="adj" fmla="val 17913"/>
+            </a:avLst>
+          </a:prstGeom>
+        </p:spPr>
+        <p:style>
+          <a:lnRef idx="2">
+            <a:schemeClr val="dk1"/>
+          </a:lnRef>
+          <a:fillRef idx="1">
+            <a:schemeClr val="lt1"/>
+          </a:fillRef>
+          <a:effectRef idx="0">
+            <a:schemeClr val="dk1"/>
+          </a:effectRef>
+          <a:fontRef idx="minor">
+            <a:schemeClr val="dk1"/>
+          </a:fontRef>
+        </p:style>
+        <p:txBody>
+          <a:bodyPr rtlCol="0" anchor="ctr"/>
+          <a:lstStyle/>
+          <a:p>
+            <a:pPr algn="ctr"/>
+            <a:r>
+              <a:rPr lang="en-US" altLang="ko-KR" sz="1400"/>
+              <a:t>Cache Manager Process</a:t>
+            </a:r>
+          </a:p>
+        </p:txBody>
+      </p:sp>
+      <p:cxnSp>
+        <p:nvCxnSpPr>
+          <p:cNvPr id="37" name="직선 화살표 연결선 36">
+            <a:extLst>
+              <a:ext uri="{FF2B5EF4-FFF2-40B4-BE49-F238E27FC236}">
+                <a16:creationId xmlns:a16="http://schemas.microsoft.com/office/drawing/2014/main" id="{6D316BD2-DC99-41EA-80B2-01D44D96DB45}"/>
+              </a:ext>
+            </a:extLst>
+          </p:cNvPr>
+          <p:cNvCxnSpPr>
+            <a:cxnSpLocks/>
+            <a:endCxn id="34" idx="0"/>
+          </p:cNvCxnSpPr>
+          <p:nvPr/>
+        </p:nvCxnSpPr>
+        <p:spPr>
+          <a:xfrm>
+            <a:off x="3334083" y="4356879"/>
+            <a:ext cx="0" cy="262189"/>
+          </a:xfrm>
+          <a:prstGeom prst="straightConnector1">
+            <a:avLst/>
+          </a:prstGeom>
+          <a:ln w="28575">
+            <a:solidFill>
+              <a:schemeClr val="tx1"/>
+            </a:solidFill>
+            <a:headEnd type="arrow" w="med" len="med"/>
+            <a:tailEnd type="arrow" w="med" len="med"/>
+          </a:ln>
+        </p:spPr>
+        <p:style>
+          <a:lnRef idx="1">
+            <a:schemeClr val="accent1"/>
+          </a:lnRef>
+          <a:fillRef idx="0">
+            <a:schemeClr val="accent1"/>
+          </a:fillRef>
+          <a:effectRef idx="0">
+            <a:schemeClr val="accent1"/>
+          </a:effectRef>
+          <a:fontRef idx="minor">
+            <a:schemeClr val="tx1"/>
+          </a:fontRef>
+        </p:style>
+      </p:cxnSp>
+      <p:cxnSp>
+        <p:nvCxnSpPr>
+          <p:cNvPr id="39" name="직선 화살표 연결선 38">
+            <a:extLst>
+              <a:ext uri="{FF2B5EF4-FFF2-40B4-BE49-F238E27FC236}">
+                <a16:creationId xmlns:a16="http://schemas.microsoft.com/office/drawing/2014/main" id="{CD31D65A-90C9-4003-B448-FD4472921978}"/>
+              </a:ext>
+            </a:extLst>
+          </p:cNvPr>
+          <p:cNvCxnSpPr>
+            <a:cxnSpLocks/>
+          </p:cNvCxnSpPr>
+          <p:nvPr/>
+        </p:nvCxnSpPr>
+        <p:spPr>
+          <a:xfrm>
+            <a:off x="5200555" y="4356879"/>
+            <a:ext cx="0" cy="262189"/>
           </a:xfrm>
           <a:prstGeom prst="straightConnector1">
             <a:avLst/>
@@ -5019,6 +5350,1422 @@
 </file>
 
 <file path=ppt/slides/slide3.xml><?xml version="1.0" encoding="utf-8"?>
+<p:sld xmlns:a="http://schemas.openxmlformats.org/drawingml/2006/main" xmlns:r="http://schemas.openxmlformats.org/officeDocument/2006/relationships" xmlns:p="http://schemas.openxmlformats.org/presentationml/2006/main">
+  <p:cSld>
+    <p:spTree>
+      <p:nvGrpSpPr>
+        <p:cNvPr id="1" name=""/>
+        <p:cNvGrpSpPr/>
+        <p:nvPr/>
+      </p:nvGrpSpPr>
+      <p:grpSpPr>
+        <a:xfrm>
+          <a:off x="0" y="0"/>
+          <a:ext cx="0" cy="0"/>
+          <a:chOff x="0" y="0"/>
+          <a:chExt cx="0" cy="0"/>
+        </a:xfrm>
+      </p:grpSpPr>
+      <p:sp>
+        <p:nvSpPr>
+          <p:cNvPr id="26" name="모서리가 둥근 직사각형 3">
+            <a:extLst>
+              <a:ext uri="{FF2B5EF4-FFF2-40B4-BE49-F238E27FC236}">
+                <a16:creationId xmlns:a16="http://schemas.microsoft.com/office/drawing/2014/main" id="{420251E9-3ADA-4686-A60A-5DCE4C6E7A1C}"/>
+              </a:ext>
+            </a:extLst>
+          </p:cNvPr>
+          <p:cNvSpPr/>
+          <p:nvPr/>
+        </p:nvSpPr>
+        <p:spPr>
+          <a:xfrm>
+            <a:off x="2381126" y="1952128"/>
+            <a:ext cx="3771900" cy="1905038"/>
+          </a:xfrm>
+          <a:prstGeom prst="roundRect">
+            <a:avLst>
+              <a:gd name="adj" fmla="val 6356"/>
+            </a:avLst>
+          </a:prstGeom>
+          <a:ln>
+            <a:prstDash val="dash"/>
+          </a:ln>
+        </p:spPr>
+        <p:style>
+          <a:lnRef idx="2">
+            <a:schemeClr val="dk1"/>
+          </a:lnRef>
+          <a:fillRef idx="1">
+            <a:schemeClr val="lt1"/>
+          </a:fillRef>
+          <a:effectRef idx="0">
+            <a:schemeClr val="dk1"/>
+          </a:effectRef>
+          <a:fontRef idx="minor">
+            <a:schemeClr val="dk1"/>
+          </a:fontRef>
+        </p:style>
+        <p:txBody>
+          <a:bodyPr rtlCol="0" anchor="b"/>
+          <a:lstStyle/>
+          <a:p>
+            <a:pPr algn="ctr"/>
+            <a:r>
+              <a:rPr lang="en-US" altLang="ko-KR" sz="1400"/>
+              <a:t>Workers</a:t>
+            </a:r>
+            <a:endParaRPr lang="ko-KR" altLang="en-US" sz="1400" dirty="0"/>
+          </a:p>
+        </p:txBody>
+      </p:sp>
+      <p:sp>
+        <p:nvSpPr>
+          <p:cNvPr id="6" name="제목 1"/>
+          <p:cNvSpPr>
+            <a:spLocks noGrp="1"/>
+          </p:cNvSpPr>
+          <p:nvPr>
+            <p:ph type="title"/>
+          </p:nvPr>
+        </p:nvSpPr>
+        <p:spPr>
+          <a:xfrm>
+            <a:off x="457200" y="-20538"/>
+            <a:ext cx="8229600" cy="857250"/>
+          </a:xfrm>
+        </p:spPr>
+        <p:txBody>
+          <a:bodyPr>
+            <a:normAutofit/>
+          </a:bodyPr>
+          <a:lstStyle/>
+          <a:p>
+            <a:r>
+              <a:rPr lang="en-US" altLang="ko-KR"/>
+              <a:t>Nginx</a:t>
+            </a:r>
+            <a:r>
+              <a:rPr lang="ko-KR" altLang="en-US"/>
+              <a:t> </a:t>
+            </a:r>
+            <a:r>
+              <a:rPr lang="en-US" altLang="ko-KR"/>
+              <a:t>Architecture</a:t>
+            </a:r>
+            <a:endParaRPr lang="ko-KR" altLang="en-US" dirty="0"/>
+          </a:p>
+        </p:txBody>
+      </p:sp>
+      <p:sp>
+        <p:nvSpPr>
+          <p:cNvPr id="2" name="모서리가 둥근 직사각형 3">
+            <a:extLst>
+              <a:ext uri="{FF2B5EF4-FFF2-40B4-BE49-F238E27FC236}">
+                <a16:creationId xmlns:a16="http://schemas.microsoft.com/office/drawing/2014/main" id="{00B16671-80B1-44D0-B41A-59D9205F3C8F}"/>
+              </a:ext>
+            </a:extLst>
+          </p:cNvPr>
+          <p:cNvSpPr/>
+          <p:nvPr/>
+        </p:nvSpPr>
+        <p:spPr>
+          <a:xfrm>
+            <a:off x="2483768" y="1030596"/>
+            <a:ext cx="3564048" cy="504056"/>
+          </a:xfrm>
+          <a:prstGeom prst="roundRect">
+            <a:avLst>
+              <a:gd name="adj" fmla="val 11663"/>
+            </a:avLst>
+          </a:prstGeom>
+        </p:spPr>
+        <p:style>
+          <a:lnRef idx="2">
+            <a:schemeClr val="dk1"/>
+          </a:lnRef>
+          <a:fillRef idx="1">
+            <a:schemeClr val="lt1"/>
+          </a:fillRef>
+          <a:effectRef idx="0">
+            <a:schemeClr val="dk1"/>
+          </a:effectRef>
+          <a:fontRef idx="minor">
+            <a:schemeClr val="dk1"/>
+          </a:fontRef>
+        </p:style>
+        <p:txBody>
+          <a:bodyPr rtlCol="0" anchor="ctr"/>
+          <a:lstStyle/>
+          <a:p>
+            <a:pPr algn="ctr"/>
+            <a:r>
+              <a:rPr lang="en-US" altLang="ko-KR" sz="1600"/>
+              <a:t>Master </a:t>
+            </a:r>
+            <a:endParaRPr lang="ko-KR" altLang="en-US" sz="1600" dirty="0"/>
+          </a:p>
+        </p:txBody>
+      </p:sp>
+      <p:sp>
+        <p:nvSpPr>
+          <p:cNvPr id="20" name="모서리가 둥근 직사각형 3">
+            <a:extLst>
+              <a:ext uri="{FF2B5EF4-FFF2-40B4-BE49-F238E27FC236}">
+                <a16:creationId xmlns:a16="http://schemas.microsoft.com/office/drawing/2014/main" id="{6373624F-B6BA-4FC3-B643-081B15C9A3F4}"/>
+              </a:ext>
+            </a:extLst>
+          </p:cNvPr>
+          <p:cNvSpPr/>
+          <p:nvPr/>
+        </p:nvSpPr>
+        <p:spPr>
+          <a:xfrm>
+            <a:off x="2483768" y="2056978"/>
+            <a:ext cx="1080120" cy="1440161"/>
+          </a:xfrm>
+          <a:prstGeom prst="roundRect">
+            <a:avLst>
+              <a:gd name="adj" fmla="val 5720"/>
+            </a:avLst>
+          </a:prstGeom>
+        </p:spPr>
+        <p:style>
+          <a:lnRef idx="2">
+            <a:schemeClr val="dk1"/>
+          </a:lnRef>
+          <a:fillRef idx="1">
+            <a:schemeClr val="lt1"/>
+          </a:fillRef>
+          <a:effectRef idx="0">
+            <a:schemeClr val="dk1"/>
+          </a:effectRef>
+          <a:fontRef idx="minor">
+            <a:schemeClr val="dk1"/>
+          </a:fontRef>
+        </p:style>
+        <p:txBody>
+          <a:bodyPr rtlCol="0" anchor="b"/>
+          <a:lstStyle/>
+          <a:p>
+            <a:pPr algn="ctr"/>
+            <a:r>
+              <a:rPr lang="en-US" altLang="ko-KR" sz="1400"/>
+              <a:t>Worker</a:t>
+            </a:r>
+            <a:endParaRPr lang="ko-KR" altLang="en-US" sz="1400" dirty="0"/>
+          </a:p>
+        </p:txBody>
+      </p:sp>
+      <p:sp>
+        <p:nvSpPr>
+          <p:cNvPr id="23" name="모서리가 둥근 직사각형 3">
+            <a:extLst>
+              <a:ext uri="{FF2B5EF4-FFF2-40B4-BE49-F238E27FC236}">
+                <a16:creationId xmlns:a16="http://schemas.microsoft.com/office/drawing/2014/main" id="{54A4688F-CED8-4B0C-80E2-5BB16672677C}"/>
+              </a:ext>
+            </a:extLst>
+          </p:cNvPr>
+          <p:cNvSpPr/>
+          <p:nvPr/>
+        </p:nvSpPr>
+        <p:spPr>
+          <a:xfrm>
+            <a:off x="4967696" y="2056978"/>
+            <a:ext cx="1080120" cy="1440161"/>
+          </a:xfrm>
+          <a:prstGeom prst="roundRect">
+            <a:avLst>
+              <a:gd name="adj" fmla="val 5720"/>
+            </a:avLst>
+          </a:prstGeom>
+        </p:spPr>
+        <p:style>
+          <a:lnRef idx="2">
+            <a:schemeClr val="dk1"/>
+          </a:lnRef>
+          <a:fillRef idx="1">
+            <a:schemeClr val="lt1"/>
+          </a:fillRef>
+          <a:effectRef idx="0">
+            <a:schemeClr val="dk1"/>
+          </a:effectRef>
+          <a:fontRef idx="minor">
+            <a:schemeClr val="dk1"/>
+          </a:fontRef>
+        </p:style>
+        <p:txBody>
+          <a:bodyPr rtlCol="0" anchor="b"/>
+          <a:lstStyle/>
+          <a:p>
+            <a:pPr algn="ctr"/>
+            <a:r>
+              <a:rPr lang="en-US" altLang="ko-KR" sz="1400"/>
+              <a:t>Worker</a:t>
+            </a:r>
+            <a:endParaRPr lang="ko-KR" altLang="en-US" sz="1400" dirty="0"/>
+          </a:p>
+        </p:txBody>
+      </p:sp>
+      <p:sp>
+        <p:nvSpPr>
+          <p:cNvPr id="24" name="모서리가 둥근 직사각형 3">
+            <a:extLst>
+              <a:ext uri="{FF2B5EF4-FFF2-40B4-BE49-F238E27FC236}">
+                <a16:creationId xmlns:a16="http://schemas.microsoft.com/office/drawing/2014/main" id="{E655DAB5-A7D9-48D9-91A7-203C2F179A86}"/>
+              </a:ext>
+            </a:extLst>
+          </p:cNvPr>
+          <p:cNvSpPr/>
+          <p:nvPr/>
+        </p:nvSpPr>
+        <p:spPr>
+          <a:xfrm>
+            <a:off x="3725732" y="2056978"/>
+            <a:ext cx="1080120" cy="1440161"/>
+          </a:xfrm>
+          <a:prstGeom prst="roundRect">
+            <a:avLst>
+              <a:gd name="adj" fmla="val 5720"/>
+            </a:avLst>
+          </a:prstGeom>
+        </p:spPr>
+        <p:style>
+          <a:lnRef idx="2">
+            <a:schemeClr val="dk1"/>
+          </a:lnRef>
+          <a:fillRef idx="1">
+            <a:schemeClr val="lt1"/>
+          </a:fillRef>
+          <a:effectRef idx="0">
+            <a:schemeClr val="dk1"/>
+          </a:effectRef>
+          <a:fontRef idx="minor">
+            <a:schemeClr val="dk1"/>
+          </a:fontRef>
+        </p:style>
+        <p:txBody>
+          <a:bodyPr rtlCol="0" anchor="b"/>
+          <a:lstStyle/>
+          <a:p>
+            <a:pPr algn="ctr"/>
+            <a:r>
+              <a:rPr lang="en-US" altLang="ko-KR" sz="1400"/>
+              <a:t>Worker</a:t>
+            </a:r>
+            <a:endParaRPr lang="ko-KR" altLang="en-US" sz="1400" dirty="0"/>
+          </a:p>
+        </p:txBody>
+      </p:sp>
+      <p:sp>
+        <p:nvSpPr>
+          <p:cNvPr id="25" name="모서리가 둥근 직사각형 3">
+            <a:extLst>
+              <a:ext uri="{FF2B5EF4-FFF2-40B4-BE49-F238E27FC236}">
+                <a16:creationId xmlns:a16="http://schemas.microsoft.com/office/drawing/2014/main" id="{17A803C4-1698-4219-8B4B-A661AD33D08F}"/>
+              </a:ext>
+            </a:extLst>
+          </p:cNvPr>
+          <p:cNvSpPr/>
+          <p:nvPr/>
+        </p:nvSpPr>
+        <p:spPr>
+          <a:xfrm>
+            <a:off x="2483768" y="4270784"/>
+            <a:ext cx="3564048" cy="605222"/>
+          </a:xfrm>
+          <a:prstGeom prst="roundRect">
+            <a:avLst>
+              <a:gd name="adj" fmla="val 11663"/>
+            </a:avLst>
+          </a:prstGeom>
+        </p:spPr>
+        <p:style>
+          <a:lnRef idx="2">
+            <a:schemeClr val="dk1"/>
+          </a:lnRef>
+          <a:fillRef idx="1">
+            <a:schemeClr val="lt1"/>
+          </a:fillRef>
+          <a:effectRef idx="0">
+            <a:schemeClr val="dk1"/>
+          </a:effectRef>
+          <a:fontRef idx="minor">
+            <a:schemeClr val="dk1"/>
+          </a:fontRef>
+        </p:style>
+        <p:txBody>
+          <a:bodyPr rtlCol="0" anchor="ctr"/>
+          <a:lstStyle/>
+          <a:p>
+            <a:pPr algn="ctr"/>
+            <a:r>
+              <a:rPr lang="en-US" altLang="ko-KR" sz="1600"/>
+              <a:t>Cache </a:t>
+            </a:r>
+          </a:p>
+          <a:p>
+            <a:pPr algn="ctr"/>
+            <a:r>
+              <a:rPr lang="en-US" altLang="ko-KR" sz="1400"/>
+              <a:t>Shared Memory (Key, Meta) / File (Data)  </a:t>
+            </a:r>
+            <a:endParaRPr lang="ko-KR" altLang="en-US" sz="1400" dirty="0"/>
+          </a:p>
+        </p:txBody>
+      </p:sp>
+      <p:sp>
+        <p:nvSpPr>
+          <p:cNvPr id="3" name="화살표: 원형 2">
+            <a:extLst>
+              <a:ext uri="{FF2B5EF4-FFF2-40B4-BE49-F238E27FC236}">
+                <a16:creationId xmlns:a16="http://schemas.microsoft.com/office/drawing/2014/main" id="{14AF1298-B4A6-4AC9-91EC-7344678CEC67}"/>
+              </a:ext>
+            </a:extLst>
+          </p:cNvPr>
+          <p:cNvSpPr/>
+          <p:nvPr/>
+        </p:nvSpPr>
+        <p:spPr>
+          <a:xfrm>
+            <a:off x="2771800" y="2345011"/>
+            <a:ext cx="504056" cy="504056"/>
+          </a:xfrm>
+          <a:prstGeom prst="circularArrow">
+            <a:avLst>
+              <a:gd name="adj1" fmla="val 12500"/>
+              <a:gd name="adj2" fmla="val 1142319"/>
+              <a:gd name="adj3" fmla="val 20457681"/>
+              <a:gd name="adj4" fmla="val 2019607"/>
+              <a:gd name="adj5" fmla="val 12500"/>
+            </a:avLst>
+          </a:prstGeom>
+          <a:solidFill>
+            <a:schemeClr val="tx1"/>
+          </a:solidFill>
+          <a:ln>
+            <a:noFill/>
+          </a:ln>
+        </p:spPr>
+        <p:style>
+          <a:lnRef idx="2">
+            <a:schemeClr val="accent1">
+              <a:shade val="50000"/>
+            </a:schemeClr>
+          </a:lnRef>
+          <a:fillRef idx="1">
+            <a:schemeClr val="accent1"/>
+          </a:fillRef>
+          <a:effectRef idx="0">
+            <a:schemeClr val="accent1"/>
+          </a:effectRef>
+          <a:fontRef idx="minor">
+            <a:schemeClr val="lt1"/>
+          </a:fontRef>
+        </p:style>
+        <p:txBody>
+          <a:bodyPr rtlCol="0" anchor="ctr"/>
+          <a:lstStyle/>
+          <a:p>
+            <a:pPr algn="ctr"/>
+            <a:endParaRPr lang="ko-KR" altLang="en-US">
+              <a:solidFill>
+                <a:schemeClr val="tx1"/>
+              </a:solidFill>
+            </a:endParaRPr>
+          </a:p>
+        </p:txBody>
+      </p:sp>
+      <p:sp>
+        <p:nvSpPr>
+          <p:cNvPr id="28" name="화살표: 원형 27">
+            <a:extLst>
+              <a:ext uri="{FF2B5EF4-FFF2-40B4-BE49-F238E27FC236}">
+                <a16:creationId xmlns:a16="http://schemas.microsoft.com/office/drawing/2014/main" id="{1A877256-96D5-47A4-A787-8D25FE858CA3}"/>
+              </a:ext>
+            </a:extLst>
+          </p:cNvPr>
+          <p:cNvSpPr/>
+          <p:nvPr/>
+        </p:nvSpPr>
+        <p:spPr>
+          <a:xfrm>
+            <a:off x="4010236" y="2345011"/>
+            <a:ext cx="504056" cy="504056"/>
+          </a:xfrm>
+          <a:prstGeom prst="circularArrow">
+            <a:avLst>
+              <a:gd name="adj1" fmla="val 12500"/>
+              <a:gd name="adj2" fmla="val 1142319"/>
+              <a:gd name="adj3" fmla="val 20457681"/>
+              <a:gd name="adj4" fmla="val 2019607"/>
+              <a:gd name="adj5" fmla="val 12500"/>
+            </a:avLst>
+          </a:prstGeom>
+          <a:solidFill>
+            <a:schemeClr val="tx1"/>
+          </a:solidFill>
+          <a:ln>
+            <a:noFill/>
+          </a:ln>
+        </p:spPr>
+        <p:style>
+          <a:lnRef idx="2">
+            <a:schemeClr val="accent1">
+              <a:shade val="50000"/>
+            </a:schemeClr>
+          </a:lnRef>
+          <a:fillRef idx="1">
+            <a:schemeClr val="accent1"/>
+          </a:fillRef>
+          <a:effectRef idx="0">
+            <a:schemeClr val="accent1"/>
+          </a:effectRef>
+          <a:fontRef idx="minor">
+            <a:schemeClr val="lt1"/>
+          </a:fontRef>
+        </p:style>
+        <p:txBody>
+          <a:bodyPr rtlCol="0" anchor="ctr"/>
+          <a:lstStyle/>
+          <a:p>
+            <a:pPr algn="ctr"/>
+            <a:endParaRPr lang="ko-KR" altLang="en-US">
+              <a:solidFill>
+                <a:schemeClr val="tx1"/>
+              </a:solidFill>
+            </a:endParaRPr>
+          </a:p>
+        </p:txBody>
+      </p:sp>
+      <p:sp>
+        <p:nvSpPr>
+          <p:cNvPr id="29" name="화살표: 원형 28">
+            <a:extLst>
+              <a:ext uri="{FF2B5EF4-FFF2-40B4-BE49-F238E27FC236}">
+                <a16:creationId xmlns:a16="http://schemas.microsoft.com/office/drawing/2014/main" id="{7FB326F8-86F4-4B75-9EDC-A6136112E29B}"/>
+              </a:ext>
+            </a:extLst>
+          </p:cNvPr>
+          <p:cNvSpPr/>
+          <p:nvPr/>
+        </p:nvSpPr>
+        <p:spPr>
+          <a:xfrm>
+            <a:off x="5255728" y="2345011"/>
+            <a:ext cx="504056" cy="504056"/>
+          </a:xfrm>
+          <a:prstGeom prst="circularArrow">
+            <a:avLst>
+              <a:gd name="adj1" fmla="val 12500"/>
+              <a:gd name="adj2" fmla="val 1142319"/>
+              <a:gd name="adj3" fmla="val 20457681"/>
+              <a:gd name="adj4" fmla="val 2019607"/>
+              <a:gd name="adj5" fmla="val 12500"/>
+            </a:avLst>
+          </a:prstGeom>
+          <a:solidFill>
+            <a:schemeClr val="tx1"/>
+          </a:solidFill>
+          <a:ln>
+            <a:noFill/>
+          </a:ln>
+        </p:spPr>
+        <p:style>
+          <a:lnRef idx="2">
+            <a:schemeClr val="accent1">
+              <a:shade val="50000"/>
+            </a:schemeClr>
+          </a:lnRef>
+          <a:fillRef idx="1">
+            <a:schemeClr val="accent1"/>
+          </a:fillRef>
+          <a:effectRef idx="0">
+            <a:schemeClr val="accent1"/>
+          </a:effectRef>
+          <a:fontRef idx="minor">
+            <a:schemeClr val="lt1"/>
+          </a:fontRef>
+        </p:style>
+        <p:txBody>
+          <a:bodyPr rtlCol="0" anchor="ctr"/>
+          <a:lstStyle/>
+          <a:p>
+            <a:pPr algn="ctr"/>
+            <a:endParaRPr lang="ko-KR" altLang="en-US">
+              <a:solidFill>
+                <a:schemeClr val="tx1"/>
+              </a:solidFill>
+            </a:endParaRPr>
+          </a:p>
+        </p:txBody>
+      </p:sp>
+      <p:sp>
+        <p:nvSpPr>
+          <p:cNvPr id="5" name="모서리가 둥근 직사각형 3">
+            <a:extLst>
+              <a:ext uri="{FF2B5EF4-FFF2-40B4-BE49-F238E27FC236}">
+                <a16:creationId xmlns:a16="http://schemas.microsoft.com/office/drawing/2014/main" id="{146CEFC2-C216-4528-A0FB-1AE535D42249}"/>
+              </a:ext>
+            </a:extLst>
+          </p:cNvPr>
+          <p:cNvSpPr/>
+          <p:nvPr/>
+        </p:nvSpPr>
+        <p:spPr>
+          <a:xfrm>
+            <a:off x="104075" y="2766828"/>
+            <a:ext cx="1259792" cy="504056"/>
+          </a:xfrm>
+          <a:prstGeom prst="roundRect">
+            <a:avLst>
+              <a:gd name="adj" fmla="val 11663"/>
+            </a:avLst>
+          </a:prstGeom>
+        </p:spPr>
+        <p:style>
+          <a:lnRef idx="2">
+            <a:schemeClr val="dk1"/>
+          </a:lnRef>
+          <a:fillRef idx="1">
+            <a:schemeClr val="lt1"/>
+          </a:fillRef>
+          <a:effectRef idx="0">
+            <a:schemeClr val="dk1"/>
+          </a:effectRef>
+          <a:fontRef idx="minor">
+            <a:schemeClr val="dk1"/>
+          </a:fontRef>
+        </p:style>
+        <p:txBody>
+          <a:bodyPr rtlCol="0" anchor="ctr"/>
+          <a:lstStyle/>
+          <a:p>
+            <a:pPr algn="ctr"/>
+            <a:r>
+              <a:rPr lang="en-US" altLang="ko-KR" sz="1400"/>
+              <a:t>Client</a:t>
+            </a:r>
+            <a:endParaRPr lang="ko-KR" altLang="en-US" sz="1400" dirty="0"/>
+          </a:p>
+        </p:txBody>
+      </p:sp>
+      <p:sp>
+        <p:nvSpPr>
+          <p:cNvPr id="31" name="모서리가 둥근 직사각형 27">
+            <a:extLst>
+              <a:ext uri="{FF2B5EF4-FFF2-40B4-BE49-F238E27FC236}">
+                <a16:creationId xmlns:a16="http://schemas.microsoft.com/office/drawing/2014/main" id="{9D7A0715-3E99-4636-BC9A-4E4AD4A1DC97}"/>
+              </a:ext>
+            </a:extLst>
+          </p:cNvPr>
+          <p:cNvSpPr/>
+          <p:nvPr/>
+        </p:nvSpPr>
+        <p:spPr>
+          <a:xfrm>
+            <a:off x="1244982" y="2554685"/>
+            <a:ext cx="1296144" cy="252028"/>
+          </a:xfrm>
+          <a:prstGeom prst="roundRect">
+            <a:avLst/>
+          </a:prstGeom>
+          <a:noFill/>
+          <a:ln>
+            <a:noFill/>
+          </a:ln>
+        </p:spPr>
+        <p:style>
+          <a:lnRef idx="2">
+            <a:schemeClr val="dk1"/>
+          </a:lnRef>
+          <a:fillRef idx="1">
+            <a:schemeClr val="lt1"/>
+          </a:fillRef>
+          <a:effectRef idx="0">
+            <a:schemeClr val="dk1"/>
+          </a:effectRef>
+          <a:fontRef idx="minor">
+            <a:schemeClr val="dk1"/>
+          </a:fontRef>
+        </p:style>
+        <p:txBody>
+          <a:bodyPr rtlCol="0" anchor="ctr"/>
+          <a:lstStyle/>
+          <a:p>
+            <a:pPr algn="ctr"/>
+            <a:r>
+              <a:rPr lang="en-US" altLang="ko-KR" sz="1200"/>
+              <a:t>HTTP/HTTPS,</a:t>
+            </a:r>
+          </a:p>
+          <a:p>
+            <a:pPr algn="ctr"/>
+            <a:r>
+              <a:rPr lang="en-US" altLang="ko-KR" sz="1200"/>
+              <a:t>TCP/UDP</a:t>
+            </a:r>
+            <a:endParaRPr lang="ko-KR" altLang="en-US" sz="1200" dirty="0"/>
+          </a:p>
+        </p:txBody>
+      </p:sp>
+      <p:sp>
+        <p:nvSpPr>
+          <p:cNvPr id="45" name="모서리가 둥근 직사각형 3">
+            <a:extLst>
+              <a:ext uri="{FF2B5EF4-FFF2-40B4-BE49-F238E27FC236}">
+                <a16:creationId xmlns:a16="http://schemas.microsoft.com/office/drawing/2014/main" id="{B593E69D-20E0-4BCA-93DB-6DF3296CCA5E}"/>
+              </a:ext>
+            </a:extLst>
+          </p:cNvPr>
+          <p:cNvSpPr/>
+          <p:nvPr/>
+        </p:nvSpPr>
+        <p:spPr>
+          <a:xfrm>
+            <a:off x="7187108" y="1807701"/>
+            <a:ext cx="1900237" cy="2193892"/>
+          </a:xfrm>
+          <a:prstGeom prst="roundRect">
+            <a:avLst>
+              <a:gd name="adj" fmla="val 6356"/>
+            </a:avLst>
+          </a:prstGeom>
+          <a:ln>
+            <a:prstDash val="dash"/>
+          </a:ln>
+        </p:spPr>
+        <p:style>
+          <a:lnRef idx="2">
+            <a:schemeClr val="dk1"/>
+          </a:lnRef>
+          <a:fillRef idx="1">
+            <a:schemeClr val="lt1"/>
+          </a:fillRef>
+          <a:effectRef idx="0">
+            <a:schemeClr val="dk1"/>
+          </a:effectRef>
+          <a:fontRef idx="minor">
+            <a:schemeClr val="dk1"/>
+          </a:fontRef>
+        </p:style>
+        <p:txBody>
+          <a:bodyPr rtlCol="0" anchor="b"/>
+          <a:lstStyle/>
+          <a:p>
+            <a:pPr algn="ctr"/>
+            <a:r>
+              <a:rPr lang="en-US" altLang="ko-KR" sz="1400"/>
+              <a:t>Backend</a:t>
+            </a:r>
+            <a:endParaRPr lang="ko-KR" altLang="en-US" sz="1400" dirty="0"/>
+          </a:p>
+        </p:txBody>
+      </p:sp>
+      <p:sp>
+        <p:nvSpPr>
+          <p:cNvPr id="46" name="모서리가 둥근 직사각형 3">
+            <a:extLst>
+              <a:ext uri="{FF2B5EF4-FFF2-40B4-BE49-F238E27FC236}">
+                <a16:creationId xmlns:a16="http://schemas.microsoft.com/office/drawing/2014/main" id="{6CBA5756-9D3E-4C9C-AD26-47373F9EAA1F}"/>
+              </a:ext>
+            </a:extLst>
+          </p:cNvPr>
+          <p:cNvSpPr/>
+          <p:nvPr/>
+        </p:nvSpPr>
+        <p:spPr>
+          <a:xfrm>
+            <a:off x="7284969" y="3113647"/>
+            <a:ext cx="1704516" cy="504056"/>
+          </a:xfrm>
+          <a:prstGeom prst="roundRect">
+            <a:avLst>
+              <a:gd name="adj" fmla="val 11663"/>
+            </a:avLst>
+          </a:prstGeom>
+        </p:spPr>
+        <p:style>
+          <a:lnRef idx="2">
+            <a:schemeClr val="dk1"/>
+          </a:lnRef>
+          <a:fillRef idx="1">
+            <a:schemeClr val="lt1"/>
+          </a:fillRef>
+          <a:effectRef idx="0">
+            <a:schemeClr val="dk1"/>
+          </a:effectRef>
+          <a:fontRef idx="minor">
+            <a:schemeClr val="dk1"/>
+          </a:fontRef>
+        </p:style>
+        <p:txBody>
+          <a:bodyPr rtlCol="0" anchor="ctr"/>
+          <a:lstStyle/>
+          <a:p>
+            <a:pPr algn="ctr"/>
+            <a:r>
+              <a:rPr lang="en-US" altLang="ko-KR" sz="1400"/>
+              <a:t>Memcached, Redis, NoSQL</a:t>
+            </a:r>
+            <a:endParaRPr lang="ko-KR" altLang="en-US" sz="1400" dirty="0"/>
+          </a:p>
+        </p:txBody>
+      </p:sp>
+      <p:sp>
+        <p:nvSpPr>
+          <p:cNvPr id="48" name="모서리가 둥근 직사각형 3">
+            <a:extLst>
+              <a:ext uri="{FF2B5EF4-FFF2-40B4-BE49-F238E27FC236}">
+                <a16:creationId xmlns:a16="http://schemas.microsoft.com/office/drawing/2014/main" id="{E6F77796-C3C6-4960-BCB5-2811052FD5A9}"/>
+              </a:ext>
+            </a:extLst>
+          </p:cNvPr>
+          <p:cNvSpPr/>
+          <p:nvPr/>
+        </p:nvSpPr>
+        <p:spPr>
+          <a:xfrm>
+            <a:off x="7284969" y="2505237"/>
+            <a:ext cx="1704516" cy="504056"/>
+          </a:xfrm>
+          <a:prstGeom prst="roundRect">
+            <a:avLst>
+              <a:gd name="adj" fmla="val 11663"/>
+            </a:avLst>
+          </a:prstGeom>
+        </p:spPr>
+        <p:style>
+          <a:lnRef idx="2">
+            <a:schemeClr val="dk1"/>
+          </a:lnRef>
+          <a:fillRef idx="1">
+            <a:schemeClr val="lt1"/>
+          </a:fillRef>
+          <a:effectRef idx="0">
+            <a:schemeClr val="dk1"/>
+          </a:effectRef>
+          <a:fontRef idx="minor">
+            <a:schemeClr val="dk1"/>
+          </a:fontRef>
+        </p:style>
+        <p:txBody>
+          <a:bodyPr rtlCol="0" anchor="ctr"/>
+          <a:lstStyle/>
+          <a:p>
+            <a:pPr algn="ctr"/>
+            <a:r>
+              <a:rPr lang="en-US" altLang="ko-KR" sz="1400"/>
+              <a:t>App Server</a:t>
+            </a:r>
+            <a:endParaRPr lang="ko-KR" altLang="en-US" sz="1400" dirty="0"/>
+          </a:p>
+        </p:txBody>
+      </p:sp>
+      <p:sp>
+        <p:nvSpPr>
+          <p:cNvPr id="49" name="모서리가 둥근 직사각형 3">
+            <a:extLst>
+              <a:ext uri="{FF2B5EF4-FFF2-40B4-BE49-F238E27FC236}">
+                <a16:creationId xmlns:a16="http://schemas.microsoft.com/office/drawing/2014/main" id="{74245279-2730-4B03-9C1A-925541D1EAA4}"/>
+              </a:ext>
+            </a:extLst>
+          </p:cNvPr>
+          <p:cNvSpPr/>
+          <p:nvPr/>
+        </p:nvSpPr>
+        <p:spPr>
+          <a:xfrm>
+            <a:off x="7284969" y="1896827"/>
+            <a:ext cx="1704516" cy="504056"/>
+          </a:xfrm>
+          <a:prstGeom prst="roundRect">
+            <a:avLst>
+              <a:gd name="adj" fmla="val 11663"/>
+            </a:avLst>
+          </a:prstGeom>
+        </p:spPr>
+        <p:style>
+          <a:lnRef idx="2">
+            <a:schemeClr val="dk1"/>
+          </a:lnRef>
+          <a:fillRef idx="1">
+            <a:schemeClr val="lt1"/>
+          </a:fillRef>
+          <a:effectRef idx="0">
+            <a:schemeClr val="dk1"/>
+          </a:effectRef>
+          <a:fontRef idx="minor">
+            <a:schemeClr val="dk1"/>
+          </a:fontRef>
+        </p:style>
+        <p:txBody>
+          <a:bodyPr rtlCol="0" anchor="ctr"/>
+          <a:lstStyle/>
+          <a:p>
+            <a:pPr algn="ctr"/>
+            <a:r>
+              <a:rPr lang="en-US" altLang="ko-KR" sz="1400"/>
+              <a:t>Web Server</a:t>
+            </a:r>
+            <a:endParaRPr lang="ko-KR" altLang="en-US" sz="1400" dirty="0"/>
+          </a:p>
+        </p:txBody>
+      </p:sp>
+      <p:cxnSp>
+        <p:nvCxnSpPr>
+          <p:cNvPr id="52" name="직선 화살표 연결선 51">
+            <a:extLst>
+              <a:ext uri="{FF2B5EF4-FFF2-40B4-BE49-F238E27FC236}">
+                <a16:creationId xmlns:a16="http://schemas.microsoft.com/office/drawing/2014/main" id="{FEB6F9E8-7CC0-46AA-B1B8-4778F1AD91B9}"/>
+              </a:ext>
+            </a:extLst>
+          </p:cNvPr>
+          <p:cNvCxnSpPr>
+            <a:cxnSpLocks/>
+            <a:endCxn id="45" idx="1"/>
+          </p:cNvCxnSpPr>
+          <p:nvPr/>
+        </p:nvCxnSpPr>
+        <p:spPr>
+          <a:xfrm>
+            <a:off x="3563888" y="2904647"/>
+            <a:ext cx="3623220" cy="0"/>
+          </a:xfrm>
+          <a:prstGeom prst="straightConnector1">
+            <a:avLst/>
+          </a:prstGeom>
+          <a:ln w="28575">
+            <a:solidFill>
+              <a:schemeClr val="tx1"/>
+            </a:solidFill>
+            <a:headEnd type="arrow" w="med" len="med"/>
+            <a:tailEnd type="arrow" w="med" len="med"/>
+          </a:ln>
+        </p:spPr>
+        <p:style>
+          <a:lnRef idx="1">
+            <a:schemeClr val="accent1"/>
+          </a:lnRef>
+          <a:fillRef idx="0">
+            <a:schemeClr val="accent1"/>
+          </a:fillRef>
+          <a:effectRef idx="0">
+            <a:schemeClr val="accent1"/>
+          </a:effectRef>
+          <a:fontRef idx="minor">
+            <a:schemeClr val="tx1"/>
+          </a:fontRef>
+        </p:style>
+      </p:cxnSp>
+      <p:sp>
+        <p:nvSpPr>
+          <p:cNvPr id="65" name="모서리가 둥근 직사각형 27">
+            <a:extLst>
+              <a:ext uri="{FF2B5EF4-FFF2-40B4-BE49-F238E27FC236}">
+                <a16:creationId xmlns:a16="http://schemas.microsoft.com/office/drawing/2014/main" id="{1E5E6352-EC27-430C-B42F-E153787B01F9}"/>
+              </a:ext>
+            </a:extLst>
+          </p:cNvPr>
+          <p:cNvSpPr/>
+          <p:nvPr/>
+        </p:nvSpPr>
+        <p:spPr>
+          <a:xfrm>
+            <a:off x="6026121" y="2310445"/>
+            <a:ext cx="1296144" cy="538622"/>
+          </a:xfrm>
+          <a:prstGeom prst="roundRect">
+            <a:avLst/>
+          </a:prstGeom>
+          <a:noFill/>
+          <a:ln>
+            <a:noFill/>
+          </a:ln>
+        </p:spPr>
+        <p:style>
+          <a:lnRef idx="2">
+            <a:schemeClr val="dk1"/>
+          </a:lnRef>
+          <a:fillRef idx="1">
+            <a:schemeClr val="lt1"/>
+          </a:fillRef>
+          <a:effectRef idx="0">
+            <a:schemeClr val="dk1"/>
+          </a:effectRef>
+          <a:fontRef idx="minor">
+            <a:schemeClr val="dk1"/>
+          </a:fontRef>
+        </p:style>
+        <p:txBody>
+          <a:bodyPr rtlCol="0" anchor="ctr"/>
+          <a:lstStyle/>
+          <a:p>
+            <a:pPr algn="ctr"/>
+            <a:r>
+              <a:rPr lang="en-US" altLang="ko-KR" sz="1200"/>
+              <a:t>HTTP/HTTPS,</a:t>
+            </a:r>
+          </a:p>
+          <a:p>
+            <a:pPr algn="ctr"/>
+            <a:r>
+              <a:rPr lang="en-US" altLang="ko-KR" sz="1200"/>
+              <a:t>FastCGI,</a:t>
+            </a:r>
+          </a:p>
+          <a:p>
+            <a:pPr algn="ctr"/>
+            <a:r>
+              <a:rPr lang="en-US" altLang="ko-KR" sz="1200"/>
+              <a:t>TCP/UDP</a:t>
+            </a:r>
+          </a:p>
+        </p:txBody>
+      </p:sp>
+      <p:cxnSp>
+        <p:nvCxnSpPr>
+          <p:cNvPr id="78" name="직선 화살표 연결선 77">
+            <a:extLst>
+              <a:ext uri="{FF2B5EF4-FFF2-40B4-BE49-F238E27FC236}">
+                <a16:creationId xmlns:a16="http://schemas.microsoft.com/office/drawing/2014/main" id="{FF6D2936-F5B6-478A-B454-2B38DAD3596E}"/>
+              </a:ext>
+            </a:extLst>
+          </p:cNvPr>
+          <p:cNvCxnSpPr>
+            <a:cxnSpLocks/>
+            <a:stCxn id="25" idx="0"/>
+            <a:endCxn id="26" idx="2"/>
+          </p:cNvCxnSpPr>
+          <p:nvPr/>
+        </p:nvCxnSpPr>
+        <p:spPr>
+          <a:xfrm flipV="1">
+            <a:off x="4265792" y="3857166"/>
+            <a:ext cx="1284" cy="413618"/>
+          </a:xfrm>
+          <a:prstGeom prst="straightConnector1">
+            <a:avLst/>
+          </a:prstGeom>
+          <a:ln w="28575">
+            <a:solidFill>
+              <a:schemeClr val="tx1"/>
+            </a:solidFill>
+            <a:headEnd type="arrow" w="med" len="med"/>
+            <a:tailEnd type="arrow" w="med" len="med"/>
+          </a:ln>
+        </p:spPr>
+        <p:style>
+          <a:lnRef idx="1">
+            <a:schemeClr val="accent1"/>
+          </a:lnRef>
+          <a:fillRef idx="0">
+            <a:schemeClr val="accent1"/>
+          </a:fillRef>
+          <a:effectRef idx="0">
+            <a:schemeClr val="accent1"/>
+          </a:effectRef>
+          <a:fontRef idx="minor">
+            <a:schemeClr val="tx1"/>
+          </a:fontRef>
+        </p:style>
+      </p:cxnSp>
+      <p:sp>
+        <p:nvSpPr>
+          <p:cNvPr id="83" name="모서리가 둥근 직사각형 27">
+            <a:extLst>
+              <a:ext uri="{FF2B5EF4-FFF2-40B4-BE49-F238E27FC236}">
+                <a16:creationId xmlns:a16="http://schemas.microsoft.com/office/drawing/2014/main" id="{39F38B5D-153E-45E2-965E-C467B6AA0D10}"/>
+              </a:ext>
+            </a:extLst>
+          </p:cNvPr>
+          <p:cNvSpPr/>
+          <p:nvPr/>
+        </p:nvSpPr>
+        <p:spPr>
+          <a:xfrm>
+            <a:off x="4211612" y="3937961"/>
+            <a:ext cx="1296144" cy="252028"/>
+          </a:xfrm>
+          <a:prstGeom prst="roundRect">
+            <a:avLst/>
+          </a:prstGeom>
+          <a:noFill/>
+          <a:ln>
+            <a:noFill/>
+          </a:ln>
+        </p:spPr>
+        <p:style>
+          <a:lnRef idx="2">
+            <a:schemeClr val="dk1"/>
+          </a:lnRef>
+          <a:fillRef idx="1">
+            <a:schemeClr val="lt1"/>
+          </a:fillRef>
+          <a:effectRef idx="0">
+            <a:schemeClr val="dk1"/>
+          </a:effectRef>
+          <a:fontRef idx="minor">
+            <a:schemeClr val="dk1"/>
+          </a:fontRef>
+        </p:style>
+        <p:txBody>
+          <a:bodyPr rtlCol="0" anchor="ctr"/>
+          <a:lstStyle/>
+          <a:p>
+            <a:pPr algn="ctr"/>
+            <a:r>
+              <a:rPr lang="en-US" altLang="ko-KR" sz="1200"/>
+              <a:t>Sendfile, AIO</a:t>
+            </a:r>
+            <a:endParaRPr lang="ko-KR" altLang="en-US" sz="1200" dirty="0"/>
+          </a:p>
+        </p:txBody>
+      </p:sp>
+      <p:sp>
+        <p:nvSpPr>
+          <p:cNvPr id="85" name="모서리가 둥근 직사각형 27">
+            <a:extLst>
+              <a:ext uri="{FF2B5EF4-FFF2-40B4-BE49-F238E27FC236}">
+                <a16:creationId xmlns:a16="http://schemas.microsoft.com/office/drawing/2014/main" id="{C03D9BFF-F23C-4D8F-AF53-8A77AB300915}"/>
+              </a:ext>
+            </a:extLst>
+          </p:cNvPr>
+          <p:cNvSpPr/>
+          <p:nvPr/>
+        </p:nvSpPr>
+        <p:spPr>
+          <a:xfrm>
+            <a:off x="4211960" y="1615447"/>
+            <a:ext cx="1296144" cy="252028"/>
+          </a:xfrm>
+          <a:prstGeom prst="roundRect">
+            <a:avLst/>
+          </a:prstGeom>
+          <a:noFill/>
+          <a:ln>
+            <a:noFill/>
+          </a:ln>
+        </p:spPr>
+        <p:style>
+          <a:lnRef idx="2">
+            <a:schemeClr val="dk1"/>
+          </a:lnRef>
+          <a:fillRef idx="1">
+            <a:schemeClr val="lt1"/>
+          </a:fillRef>
+          <a:effectRef idx="0">
+            <a:schemeClr val="dk1"/>
+          </a:effectRef>
+          <a:fontRef idx="minor">
+            <a:schemeClr val="dk1"/>
+          </a:fontRef>
+        </p:style>
+        <p:txBody>
+          <a:bodyPr rtlCol="0" anchor="ctr"/>
+          <a:lstStyle/>
+          <a:p>
+            <a:pPr algn="ctr"/>
+            <a:r>
+              <a:rPr lang="en-US" altLang="ko-KR" sz="1200"/>
+              <a:t>Load Config,</a:t>
+            </a:r>
+          </a:p>
+          <a:p>
+            <a:pPr algn="ctr"/>
+            <a:r>
+              <a:rPr lang="en-US" altLang="ko-KR" sz="1200"/>
+              <a:t>Create Worker</a:t>
+            </a:r>
+          </a:p>
+        </p:txBody>
+      </p:sp>
+      <p:cxnSp>
+        <p:nvCxnSpPr>
+          <p:cNvPr id="86" name="직선 화살표 연결선 85">
+            <a:extLst>
+              <a:ext uri="{FF2B5EF4-FFF2-40B4-BE49-F238E27FC236}">
+                <a16:creationId xmlns:a16="http://schemas.microsoft.com/office/drawing/2014/main" id="{07F09DA6-65E9-41DA-A95A-745B5AA5A3BE}"/>
+              </a:ext>
+            </a:extLst>
+          </p:cNvPr>
+          <p:cNvCxnSpPr>
+            <a:cxnSpLocks/>
+            <a:stCxn id="26" idx="0"/>
+            <a:endCxn id="2" idx="2"/>
+          </p:cNvCxnSpPr>
+          <p:nvPr/>
+        </p:nvCxnSpPr>
+        <p:spPr>
+          <a:xfrm flipH="1" flipV="1">
+            <a:off x="4265792" y="1534652"/>
+            <a:ext cx="1284" cy="417476"/>
+          </a:xfrm>
+          <a:prstGeom prst="straightConnector1">
+            <a:avLst/>
+          </a:prstGeom>
+          <a:ln w="28575">
+            <a:solidFill>
+              <a:schemeClr val="tx1"/>
+            </a:solidFill>
+            <a:headEnd type="arrow" w="med" len="med"/>
+            <a:tailEnd type="none" w="med" len="med"/>
+          </a:ln>
+        </p:spPr>
+        <p:style>
+          <a:lnRef idx="1">
+            <a:schemeClr val="accent1"/>
+          </a:lnRef>
+          <a:fillRef idx="0">
+            <a:schemeClr val="accent1"/>
+          </a:fillRef>
+          <a:effectRef idx="0">
+            <a:schemeClr val="accent1"/>
+          </a:effectRef>
+          <a:fontRef idx="minor">
+            <a:schemeClr val="tx1"/>
+          </a:fontRef>
+        </p:style>
+      </p:cxnSp>
+      <p:cxnSp>
+        <p:nvCxnSpPr>
+          <p:cNvPr id="27" name="직선 화살표 연결선 26">
+            <a:extLst>
+              <a:ext uri="{FF2B5EF4-FFF2-40B4-BE49-F238E27FC236}">
+                <a16:creationId xmlns:a16="http://schemas.microsoft.com/office/drawing/2014/main" id="{25E68D23-E958-46EE-91D9-F2893AB4D425}"/>
+              </a:ext>
+            </a:extLst>
+          </p:cNvPr>
+          <p:cNvCxnSpPr>
+            <a:cxnSpLocks/>
+          </p:cNvCxnSpPr>
+          <p:nvPr/>
+        </p:nvCxnSpPr>
+        <p:spPr>
+          <a:xfrm>
+            <a:off x="1363867" y="3009885"/>
+            <a:ext cx="2361865" cy="0"/>
+          </a:xfrm>
+          <a:prstGeom prst="straightConnector1">
+            <a:avLst/>
+          </a:prstGeom>
+          <a:ln w="28575">
+            <a:solidFill>
+              <a:schemeClr val="tx1"/>
+            </a:solidFill>
+            <a:headEnd type="arrow" w="med" len="med"/>
+            <a:tailEnd type="arrow" w="med" len="med"/>
+          </a:ln>
+        </p:spPr>
+        <p:style>
+          <a:lnRef idx="1">
+            <a:schemeClr val="accent1"/>
+          </a:lnRef>
+          <a:fillRef idx="0">
+            <a:schemeClr val="accent1"/>
+          </a:fillRef>
+          <a:effectRef idx="0">
+            <a:schemeClr val="accent1"/>
+          </a:effectRef>
+          <a:fontRef idx="minor">
+            <a:schemeClr val="tx1"/>
+          </a:fontRef>
+        </p:style>
+      </p:cxnSp>
+      <p:cxnSp>
+        <p:nvCxnSpPr>
+          <p:cNvPr id="30" name="직선 화살표 연결선 29">
+            <a:extLst>
+              <a:ext uri="{FF2B5EF4-FFF2-40B4-BE49-F238E27FC236}">
+                <a16:creationId xmlns:a16="http://schemas.microsoft.com/office/drawing/2014/main" id="{8E3B2BE4-4FA4-40E6-81EF-3D8B4D957809}"/>
+              </a:ext>
+            </a:extLst>
+          </p:cNvPr>
+          <p:cNvCxnSpPr>
+            <a:cxnSpLocks/>
+          </p:cNvCxnSpPr>
+          <p:nvPr/>
+        </p:nvCxnSpPr>
+        <p:spPr>
+          <a:xfrm>
+            <a:off x="4805852" y="3013286"/>
+            <a:ext cx="2381256" cy="0"/>
+          </a:xfrm>
+          <a:prstGeom prst="straightConnector1">
+            <a:avLst/>
+          </a:prstGeom>
+          <a:ln w="28575">
+            <a:solidFill>
+              <a:schemeClr val="tx1"/>
+            </a:solidFill>
+            <a:headEnd type="arrow" w="med" len="med"/>
+            <a:tailEnd type="arrow" w="med" len="med"/>
+          </a:ln>
+        </p:spPr>
+        <p:style>
+          <a:lnRef idx="1">
+            <a:schemeClr val="accent1"/>
+          </a:lnRef>
+          <a:fillRef idx="0">
+            <a:schemeClr val="accent1"/>
+          </a:fillRef>
+          <a:effectRef idx="0">
+            <a:schemeClr val="accent1"/>
+          </a:effectRef>
+          <a:fontRef idx="minor">
+            <a:schemeClr val="tx1"/>
+          </a:fontRef>
+        </p:style>
+      </p:cxnSp>
+      <p:cxnSp>
+        <p:nvCxnSpPr>
+          <p:cNvPr id="36" name="직선 화살표 연결선 35">
+            <a:extLst>
+              <a:ext uri="{FF2B5EF4-FFF2-40B4-BE49-F238E27FC236}">
+                <a16:creationId xmlns:a16="http://schemas.microsoft.com/office/drawing/2014/main" id="{E58B087E-24D2-4B66-862E-7DC284A31720}"/>
+              </a:ext>
+            </a:extLst>
+          </p:cNvPr>
+          <p:cNvCxnSpPr>
+            <a:cxnSpLocks/>
+          </p:cNvCxnSpPr>
+          <p:nvPr/>
+        </p:nvCxnSpPr>
+        <p:spPr>
+          <a:xfrm>
+            <a:off x="1363867" y="3113647"/>
+            <a:ext cx="3603829" cy="0"/>
+          </a:xfrm>
+          <a:prstGeom prst="straightConnector1">
+            <a:avLst/>
+          </a:prstGeom>
+          <a:ln w="28575">
+            <a:solidFill>
+              <a:schemeClr val="tx1"/>
+            </a:solidFill>
+            <a:headEnd type="arrow" w="med" len="med"/>
+            <a:tailEnd type="arrow" w="med" len="med"/>
+          </a:ln>
+        </p:spPr>
+        <p:style>
+          <a:lnRef idx="1">
+            <a:schemeClr val="accent1"/>
+          </a:lnRef>
+          <a:fillRef idx="0">
+            <a:schemeClr val="accent1"/>
+          </a:fillRef>
+          <a:effectRef idx="0">
+            <a:schemeClr val="accent1"/>
+          </a:effectRef>
+          <a:fontRef idx="minor">
+            <a:schemeClr val="tx1"/>
+          </a:fontRef>
+        </p:style>
+      </p:cxnSp>
+      <p:cxnSp>
+        <p:nvCxnSpPr>
+          <p:cNvPr id="40" name="직선 화살표 연결선 39">
+            <a:extLst>
+              <a:ext uri="{FF2B5EF4-FFF2-40B4-BE49-F238E27FC236}">
+                <a16:creationId xmlns:a16="http://schemas.microsoft.com/office/drawing/2014/main" id="{503C4A18-1D24-49AA-8E92-80A06534627A}"/>
+              </a:ext>
+            </a:extLst>
+          </p:cNvPr>
+          <p:cNvCxnSpPr>
+            <a:cxnSpLocks/>
+          </p:cNvCxnSpPr>
+          <p:nvPr/>
+        </p:nvCxnSpPr>
+        <p:spPr>
+          <a:xfrm>
+            <a:off x="6047816" y="3113647"/>
+            <a:ext cx="1139292" cy="0"/>
+          </a:xfrm>
+          <a:prstGeom prst="straightConnector1">
+            <a:avLst/>
+          </a:prstGeom>
+          <a:ln w="28575">
+            <a:solidFill>
+              <a:schemeClr val="tx1"/>
+            </a:solidFill>
+            <a:headEnd type="arrow" w="med" len="med"/>
+            <a:tailEnd type="arrow" w="med" len="med"/>
+          </a:ln>
+        </p:spPr>
+        <p:style>
+          <a:lnRef idx="1">
+            <a:schemeClr val="accent1"/>
+          </a:lnRef>
+          <a:fillRef idx="0">
+            <a:schemeClr val="accent1"/>
+          </a:fillRef>
+          <a:effectRef idx="0">
+            <a:schemeClr val="accent1"/>
+          </a:effectRef>
+          <a:fontRef idx="minor">
+            <a:schemeClr val="tx1"/>
+          </a:fontRef>
+        </p:style>
+      </p:cxnSp>
+      <p:cxnSp>
+        <p:nvCxnSpPr>
+          <p:cNvPr id="43" name="직선 화살표 연결선 42">
+            <a:extLst>
+              <a:ext uri="{FF2B5EF4-FFF2-40B4-BE49-F238E27FC236}">
+                <a16:creationId xmlns:a16="http://schemas.microsoft.com/office/drawing/2014/main" id="{68097A18-AB38-4F46-AA45-78F131FA0742}"/>
+              </a:ext>
+            </a:extLst>
+          </p:cNvPr>
+          <p:cNvCxnSpPr>
+            <a:cxnSpLocks/>
+          </p:cNvCxnSpPr>
+          <p:nvPr/>
+        </p:nvCxnSpPr>
+        <p:spPr>
+          <a:xfrm>
+            <a:off x="1363867" y="2904647"/>
+            <a:ext cx="1119901" cy="0"/>
+          </a:xfrm>
+          <a:prstGeom prst="straightConnector1">
+            <a:avLst/>
+          </a:prstGeom>
+          <a:ln w="28575">
+            <a:solidFill>
+              <a:schemeClr val="tx1"/>
+            </a:solidFill>
+            <a:headEnd type="arrow" w="med" len="med"/>
+            <a:tailEnd type="arrow" w="med" len="med"/>
+          </a:ln>
+        </p:spPr>
+        <p:style>
+          <a:lnRef idx="1">
+            <a:schemeClr val="accent1"/>
+          </a:lnRef>
+          <a:fillRef idx="0">
+            <a:schemeClr val="accent1"/>
+          </a:fillRef>
+          <a:effectRef idx="0">
+            <a:schemeClr val="accent1"/>
+          </a:effectRef>
+          <a:fontRef idx="minor">
+            <a:schemeClr val="tx1"/>
+          </a:fontRef>
+        </p:style>
+      </p:cxnSp>
+    </p:spTree>
+    <p:extLst>
+      <p:ext uri="{BB962C8B-B14F-4D97-AF65-F5344CB8AC3E}">
+        <p14:creationId xmlns:p14="http://schemas.microsoft.com/office/powerpoint/2010/main" val="2079740255"/>
+      </p:ext>
+    </p:extLst>
+  </p:cSld>
+  <p:clrMapOvr>
+    <a:masterClrMapping/>
+  </p:clrMapOvr>
+</p:sld>
+</file>
+
+<file path=ppt/slides/slide4.xml><?xml version="1.0" encoding="utf-8"?>
 <p:sld xmlns:a="http://schemas.openxmlformats.org/drawingml/2006/main" xmlns:r="http://schemas.openxmlformats.org/officeDocument/2006/relationships" xmlns:p="http://schemas.openxmlformats.org/presentationml/2006/main">
   <p:cSld>
     <p:spTree>

--- a/images/theory_analysis/Nginx_Architecture/Nginx_Architecture.pptx
+++ b/images/theory_analysis/Nginx_Architecture/Nginx_Architecture.pptx
@@ -5,13 +5,14 @@
     <p:sldMasterId id="2147483648" r:id="rId1"/>
   </p:sldMasterIdLst>
   <p:notesMasterIdLst>
-    <p:notesMasterId r:id="rId6"/>
+    <p:notesMasterId r:id="rId7"/>
   </p:notesMasterIdLst>
   <p:sldIdLst>
     <p:sldId id="421" r:id="rId2"/>
     <p:sldId id="422" r:id="rId3"/>
-    <p:sldId id="423" r:id="rId4"/>
-    <p:sldId id="420" r:id="rId5"/>
+    <p:sldId id="424" r:id="rId4"/>
+    <p:sldId id="423" r:id="rId5"/>
+    <p:sldId id="420" r:id="rId6"/>
   </p:sldIdLst>
   <p:sldSz cx="9144000" cy="5143500" type="screen16x9"/>
   <p:notesSz cx="6858000" cy="9144000"/>
@@ -216,7 +217,7 @@
           <a:p>
             <a:fld id="{6CD5550B-26C4-49A9-A5BA-636EF7BE6CE9}" type="datetimeFigureOut">
               <a:rPr lang="ko-KR" altLang="en-US" smtClean="0"/>
-              <a:t>2020-08-21</a:t>
+              <a:t>2020-08-22</a:t>
             </a:fld>
             <a:endParaRPr lang="ko-KR" altLang="en-US"/>
           </a:p>
@@ -673,7 +674,7 @@
     </p:spTree>
     <p:extLst>
       <p:ext uri="{BB962C8B-B14F-4D97-AF65-F5344CB8AC3E}">
-        <p14:creationId xmlns:p14="http://schemas.microsoft.com/office/powerpoint/2010/main" val="906865280"/>
+        <p14:creationId xmlns:p14="http://schemas.microsoft.com/office/powerpoint/2010/main" val="1587907800"/>
       </p:ext>
     </p:extLst>
   </p:cSld>
@@ -765,6 +766,106 @@
             <a:fld id="{BA5DFA43-8D57-47FB-BC46-057616015C3B}" type="slidenum">
               <a:rPr lang="ko-KR" altLang="en-US" smtClean="0"/>
               <a:t>4</a:t>
+            </a:fld>
+            <a:endParaRPr lang="ko-KR" altLang="en-US"/>
+          </a:p>
+        </p:txBody>
+      </p:sp>
+    </p:spTree>
+    <p:extLst>
+      <p:ext uri="{BB962C8B-B14F-4D97-AF65-F5344CB8AC3E}">
+        <p14:creationId xmlns:p14="http://schemas.microsoft.com/office/powerpoint/2010/main" val="906865280"/>
+      </p:ext>
+    </p:extLst>
+  </p:cSld>
+  <p:clrMapOvr>
+    <a:masterClrMapping/>
+  </p:clrMapOvr>
+</p:notes>
+</file>
+
+<file path=ppt/notesSlides/notesSlide4.xml><?xml version="1.0" encoding="utf-8"?>
+<p:notes xmlns:a="http://schemas.openxmlformats.org/drawingml/2006/main" xmlns:r="http://schemas.openxmlformats.org/officeDocument/2006/relationships" xmlns:p="http://schemas.openxmlformats.org/presentationml/2006/main">
+  <p:cSld>
+    <p:spTree>
+      <p:nvGrpSpPr>
+        <p:cNvPr id="1" name=""/>
+        <p:cNvGrpSpPr/>
+        <p:nvPr/>
+      </p:nvGrpSpPr>
+      <p:grpSpPr>
+        <a:xfrm>
+          <a:off x="0" y="0"/>
+          <a:ext cx="0" cy="0"/>
+          <a:chOff x="0" y="0"/>
+          <a:chExt cx="0" cy="0"/>
+        </a:xfrm>
+      </p:grpSpPr>
+      <p:sp>
+        <p:nvSpPr>
+          <p:cNvPr id="2" name="슬라이드 이미지 개체 틀 1"/>
+          <p:cNvSpPr>
+            <a:spLocks noGrp="1" noRot="1" noChangeAspect="1"/>
+          </p:cNvSpPr>
+          <p:nvPr>
+            <p:ph type="sldImg"/>
+          </p:nvPr>
+        </p:nvSpPr>
+        <p:spPr/>
+      </p:sp>
+      <p:sp>
+        <p:nvSpPr>
+          <p:cNvPr id="3" name="슬라이드 노트 개체 틀 2"/>
+          <p:cNvSpPr>
+            <a:spLocks noGrp="1"/>
+          </p:cNvSpPr>
+          <p:nvPr>
+            <p:ph type="body" idx="1"/>
+          </p:nvPr>
+        </p:nvSpPr>
+        <p:spPr/>
+        <p:txBody>
+          <a:bodyPr/>
+          <a:lstStyle/>
+          <a:p>
+            <a:r>
+              <a:rPr lang="en-US" altLang="ko-KR" dirty="0"/>
+              <a:t>1. </a:t>
+            </a:r>
+            <a:r>
+              <a:rPr lang="en-US" altLang="ko-KR" dirty="0" err="1"/>
+              <a:t>AppArmor</a:t>
+            </a:r>
+            <a:r>
+              <a:rPr lang="en-US" altLang="ko-KR" baseline="0" dirty="0"/>
+              <a:t> </a:t>
+            </a:r>
+            <a:r>
+              <a:rPr lang="ko-KR" altLang="en-US" baseline="0" dirty="0"/>
+              <a:t>변경 권한</a:t>
+            </a:r>
+            <a:endParaRPr lang="ko-KR" altLang="en-US" dirty="0"/>
+          </a:p>
+        </p:txBody>
+      </p:sp>
+      <p:sp>
+        <p:nvSpPr>
+          <p:cNvPr id="4" name="슬라이드 번호 개체 틀 3"/>
+          <p:cNvSpPr>
+            <a:spLocks noGrp="1"/>
+          </p:cNvSpPr>
+          <p:nvPr>
+            <p:ph type="sldNum" sz="quarter" idx="10"/>
+          </p:nvPr>
+        </p:nvSpPr>
+        <p:spPr/>
+        <p:txBody>
+          <a:bodyPr/>
+          <a:lstStyle/>
+          <a:p>
+            <a:fld id="{BA5DFA43-8D57-47FB-BC46-057616015C3B}" type="slidenum">
+              <a:rPr lang="ko-KR" altLang="en-US" smtClean="0"/>
+              <a:t>5</a:t>
             </a:fld>
             <a:endParaRPr lang="ko-KR" altLang="en-US"/>
           </a:p>
@@ -962,7 +1063,7 @@
           <a:p>
             <a:fld id="{FB30EDBD-1C2D-4C1E-B459-B60219FAB484}" type="datetimeFigureOut">
               <a:rPr lang="ko-KR" altLang="en-US" smtClean="0"/>
-              <a:t>2020-08-21</a:t>
+              <a:t>2020-08-22</a:t>
             </a:fld>
             <a:endParaRPr lang="ko-KR" altLang="en-US"/>
           </a:p>
@@ -1125,7 +1226,7 @@
           <a:p>
             <a:fld id="{FB30EDBD-1C2D-4C1E-B459-B60219FAB484}" type="datetimeFigureOut">
               <a:rPr lang="ko-KR" altLang="en-US" smtClean="0"/>
-              <a:t>2020-08-21</a:t>
+              <a:t>2020-08-22</a:t>
             </a:fld>
             <a:endParaRPr lang="ko-KR" altLang="en-US"/>
           </a:p>
@@ -1298,7 +1399,7 @@
           <a:p>
             <a:fld id="{FB30EDBD-1C2D-4C1E-B459-B60219FAB484}" type="datetimeFigureOut">
               <a:rPr lang="ko-KR" altLang="en-US" smtClean="0"/>
-              <a:t>2020-08-21</a:t>
+              <a:t>2020-08-22</a:t>
             </a:fld>
             <a:endParaRPr lang="ko-KR" altLang="en-US"/>
           </a:p>
@@ -1461,7 +1562,7 @@
           <a:p>
             <a:fld id="{FB30EDBD-1C2D-4C1E-B459-B60219FAB484}" type="datetimeFigureOut">
               <a:rPr lang="ko-KR" altLang="en-US" smtClean="0"/>
-              <a:t>2020-08-21</a:t>
+              <a:t>2020-08-22</a:t>
             </a:fld>
             <a:endParaRPr lang="ko-KR" altLang="en-US"/>
           </a:p>
@@ -1701,7 +1802,7 @@
           <a:p>
             <a:fld id="{FB30EDBD-1C2D-4C1E-B459-B60219FAB484}" type="datetimeFigureOut">
               <a:rPr lang="ko-KR" altLang="en-US" smtClean="0"/>
-              <a:t>2020-08-21</a:t>
+              <a:t>2020-08-22</a:t>
             </a:fld>
             <a:endParaRPr lang="ko-KR" altLang="en-US"/>
           </a:p>
@@ -1981,7 +2082,7 @@
           <a:p>
             <a:fld id="{FB30EDBD-1C2D-4C1E-B459-B60219FAB484}" type="datetimeFigureOut">
               <a:rPr lang="ko-KR" altLang="en-US" smtClean="0"/>
-              <a:t>2020-08-21</a:t>
+              <a:t>2020-08-22</a:t>
             </a:fld>
             <a:endParaRPr lang="ko-KR" altLang="en-US"/>
           </a:p>
@@ -2395,7 +2496,7 @@
           <a:p>
             <a:fld id="{FB30EDBD-1C2D-4C1E-B459-B60219FAB484}" type="datetimeFigureOut">
               <a:rPr lang="ko-KR" altLang="en-US" smtClean="0"/>
-              <a:t>2020-08-21</a:t>
+              <a:t>2020-08-22</a:t>
             </a:fld>
             <a:endParaRPr lang="ko-KR" altLang="en-US"/>
           </a:p>
@@ -2507,7 +2608,7 @@
           <a:p>
             <a:fld id="{FB30EDBD-1C2D-4C1E-B459-B60219FAB484}" type="datetimeFigureOut">
               <a:rPr lang="ko-KR" altLang="en-US" smtClean="0"/>
-              <a:t>2020-08-21</a:t>
+              <a:t>2020-08-22</a:t>
             </a:fld>
             <a:endParaRPr lang="ko-KR" altLang="en-US"/>
           </a:p>
@@ -2597,7 +2698,7 @@
           <a:p>
             <a:fld id="{FB30EDBD-1C2D-4C1E-B459-B60219FAB484}" type="datetimeFigureOut">
               <a:rPr lang="ko-KR" altLang="en-US" smtClean="0"/>
-              <a:t>2020-08-21</a:t>
+              <a:t>2020-08-22</a:t>
             </a:fld>
             <a:endParaRPr lang="ko-KR" altLang="en-US"/>
           </a:p>
@@ -2867,7 +2968,7 @@
           <a:p>
             <a:fld id="{FB30EDBD-1C2D-4C1E-B459-B60219FAB484}" type="datetimeFigureOut">
               <a:rPr lang="ko-KR" altLang="en-US" smtClean="0"/>
-              <a:t>2020-08-21</a:t>
+              <a:t>2020-08-22</a:t>
             </a:fld>
             <a:endParaRPr lang="ko-KR" altLang="en-US"/>
           </a:p>
@@ -3114,7 +3215,7 @@
           <a:p>
             <a:fld id="{FB30EDBD-1C2D-4C1E-B459-B60219FAB484}" type="datetimeFigureOut">
               <a:rPr lang="ko-KR" altLang="en-US" smtClean="0"/>
-              <a:t>2020-08-21</a:t>
+              <a:t>2020-08-22</a:t>
             </a:fld>
             <a:endParaRPr lang="ko-KR" altLang="en-US"/>
           </a:p>
@@ -3320,7 +3421,7 @@
           <a:p>
             <a:fld id="{FB30EDBD-1C2D-4C1E-B459-B60219FAB484}" type="datetimeFigureOut">
               <a:rPr lang="ko-KR" altLang="en-US" smtClean="0"/>
-              <a:t>2020-08-21</a:t>
+              <a:t>2020-08-22</a:t>
             </a:fld>
             <a:endParaRPr lang="ko-KR" altLang="en-US"/>
           </a:p>
@@ -3704,8 +3805,8 @@
         </p:nvSpPr>
         <p:spPr>
           <a:xfrm>
-            <a:off x="2381126" y="1220119"/>
-            <a:ext cx="3771900" cy="2121059"/>
+            <a:off x="2381126" y="1220120"/>
+            <a:ext cx="3771900" cy="1999702"/>
           </a:xfrm>
           <a:prstGeom prst="roundRect">
             <a:avLst>
@@ -3846,7 +3947,7 @@
         <p:spPr>
           <a:xfrm>
             <a:off x="2483768" y="1324970"/>
-            <a:ext cx="1080120" cy="1666900"/>
+            <a:ext cx="1080120" cy="1534817"/>
           </a:xfrm>
           <a:prstGeom prst="roundRect">
             <a:avLst>
@@ -3882,14 +3983,7 @@
             <a:pPr algn="ctr"/>
             <a:r>
               <a:rPr lang="en-US" altLang="ko-KR" sz="1400"/>
-              <a:t>Process/</a:t>
-            </a:r>
-          </a:p>
-          <a:p>
-            <a:pPr algn="ctr"/>
-            <a:r>
-              <a:rPr lang="en-US" altLang="ko-KR" sz="1400"/>
-              <a:t>Thread</a:t>
+              <a:t>Process</a:t>
             </a:r>
             <a:endParaRPr lang="ko-KR" altLang="en-US" sz="1200" dirty="0"/>
           </a:p>
@@ -3909,8 +4003,8 @@
         </p:nvSpPr>
         <p:spPr>
           <a:xfrm>
-            <a:off x="4967696" y="1324970"/>
-            <a:ext cx="1080120" cy="1666895"/>
+            <a:off x="4967696" y="1324971"/>
+            <a:ext cx="1080120" cy="1534812"/>
           </a:xfrm>
           <a:prstGeom prst="roundRect">
             <a:avLst>
@@ -3946,14 +4040,7 @@
             <a:pPr algn="ctr"/>
             <a:r>
               <a:rPr lang="en-US" altLang="ko-KR" sz="1400"/>
-              <a:t>Process/</a:t>
-            </a:r>
-          </a:p>
-          <a:p>
-            <a:pPr algn="ctr"/>
-            <a:r>
-              <a:rPr lang="en-US" altLang="ko-KR" sz="1400"/>
-              <a:t>Thread</a:t>
+              <a:t>Process</a:t>
             </a:r>
             <a:endParaRPr lang="ko-KR" altLang="en-US" sz="1400" dirty="0"/>
           </a:p>
@@ -3973,8 +4060,8 @@
         </p:nvSpPr>
         <p:spPr>
           <a:xfrm>
-            <a:off x="3725732" y="1324970"/>
-            <a:ext cx="1080120" cy="1666895"/>
+            <a:off x="3725732" y="1324971"/>
+            <a:ext cx="1080120" cy="1534812"/>
           </a:xfrm>
           <a:prstGeom prst="roundRect">
             <a:avLst>
@@ -4010,14 +4097,7 @@
             <a:pPr algn="ctr"/>
             <a:r>
               <a:rPr lang="en-US" altLang="ko-KR" sz="1400"/>
-              <a:t>Process/</a:t>
-            </a:r>
-          </a:p>
-          <a:p>
-            <a:pPr algn="ctr"/>
-            <a:r>
-              <a:rPr lang="en-US" altLang="ko-KR" sz="1400"/>
-              <a:t>Thread</a:t>
+              <a:t>Process</a:t>
             </a:r>
             <a:endParaRPr lang="ko-KR" altLang="en-US" sz="1400" dirty="0"/>
           </a:p>
@@ -4037,7 +4117,7 @@
         </p:nvSpPr>
         <p:spPr>
           <a:xfrm>
-            <a:off x="2483768" y="3754800"/>
+            <a:off x="2483768" y="3579862"/>
             <a:ext cx="3564048" cy="605222"/>
           </a:xfrm>
           <a:prstGeom prst="roundRect">
@@ -4706,8 +4786,8 @@
         </p:nvCxnSpPr>
         <p:spPr>
           <a:xfrm flipV="1">
-            <a:off x="4265792" y="3341178"/>
-            <a:ext cx="1284" cy="413622"/>
+            <a:off x="4265792" y="3219822"/>
+            <a:ext cx="1284" cy="360040"/>
           </a:xfrm>
           <a:prstGeom prst="straightConnector1">
             <a:avLst/>
@@ -4749,7 +4829,7 @@
         </p:nvSpPr>
         <p:spPr>
           <a:xfrm>
-            <a:off x="4184397" y="3421977"/>
+            <a:off x="4184397" y="3270405"/>
             <a:ext cx="1296144" cy="252028"/>
           </a:xfrm>
           <a:prstGeom prst="roundRect">
@@ -4833,14 +4913,14 @@
             <a:pPr algn="ctr"/>
             <a:r>
               <a:rPr lang="en-US" altLang="ko-KR" sz="1200"/>
-              <a:t>Load Config,</a:t>
+              <a:t>Create Worker,</a:t>
             </a:r>
           </a:p>
           <a:p>
             <a:pPr algn="ctr"/>
             <a:r>
               <a:rPr lang="en-US" altLang="ko-KR" sz="1200"/>
-              <a:t>Create Worker</a:t>
+              <a:t>Config</a:t>
             </a:r>
           </a:p>
         </p:txBody>
@@ -4864,7 +4944,7 @@
         <p:spPr>
           <a:xfrm flipH="1" flipV="1">
             <a:off x="4265792" y="802644"/>
-            <a:ext cx="1284" cy="417475"/>
+            <a:ext cx="1284" cy="417476"/>
           </a:xfrm>
           <a:prstGeom prst="straightConnector1">
             <a:avLst/>
@@ -5131,7 +5211,7 @@
         </p:nvSpPr>
         <p:spPr>
           <a:xfrm>
-            <a:off x="2483768" y="4619068"/>
+            <a:off x="2483768" y="4444130"/>
             <a:ext cx="1700629" cy="432048"/>
           </a:xfrm>
           <a:prstGeom prst="roundRect">
@@ -5180,7 +5260,7 @@
         </p:nvSpPr>
         <p:spPr>
           <a:xfrm>
-            <a:off x="4347187" y="4619068"/>
+            <a:off x="4347187" y="4444130"/>
             <a:ext cx="1700629" cy="432048"/>
           </a:xfrm>
           <a:prstGeom prst="roundRect">
@@ -5232,7 +5312,7 @@
         </p:nvCxnSpPr>
         <p:spPr>
           <a:xfrm>
-            <a:off x="3334083" y="4356879"/>
+            <a:off x="3334083" y="4181941"/>
             <a:ext cx="0" cy="262189"/>
           </a:xfrm>
           <a:prstGeom prst="straightConnector1">
@@ -5277,7 +5357,7 @@
         </p:nvCxnSpPr>
         <p:spPr>
           <a:xfrm>
-            <a:off x="5200555" y="4356879"/>
+            <a:off x="5200555" y="4181941"/>
             <a:ext cx="0" cy="262189"/>
           </a:xfrm>
           <a:prstGeom prst="straightConnector1">
@@ -5289,6 +5369,319 @@
             </a:solidFill>
             <a:headEnd type="arrow" w="med" len="med"/>
             <a:tailEnd type="arrow" w="med" len="med"/>
+          </a:ln>
+        </p:spPr>
+        <p:style>
+          <a:lnRef idx="1">
+            <a:schemeClr val="accent1"/>
+          </a:lnRef>
+          <a:fillRef idx="0">
+            <a:schemeClr val="accent1"/>
+          </a:fillRef>
+          <a:effectRef idx="0">
+            <a:schemeClr val="accent1"/>
+          </a:effectRef>
+          <a:fontRef idx="minor">
+            <a:schemeClr val="tx1"/>
+          </a:fontRef>
+        </p:style>
+      </p:cxnSp>
+      <p:cxnSp>
+        <p:nvCxnSpPr>
+          <p:cNvPr id="33" name="직선 화살표 연결선 32">
+            <a:extLst>
+              <a:ext uri="{FF2B5EF4-FFF2-40B4-BE49-F238E27FC236}">
+                <a16:creationId xmlns:a16="http://schemas.microsoft.com/office/drawing/2014/main" id="{38D62740-2EB6-427D-BABA-21ABB96EF9C8}"/>
+              </a:ext>
+            </a:extLst>
+          </p:cNvPr>
+          <p:cNvCxnSpPr>
+            <a:cxnSpLocks/>
+          </p:cNvCxnSpPr>
+          <p:nvPr/>
+        </p:nvCxnSpPr>
+        <p:spPr>
+          <a:xfrm flipV="1">
+            <a:off x="2555776" y="802644"/>
+            <a:ext cx="0" cy="3641486"/>
+          </a:xfrm>
+          <a:prstGeom prst="straightConnector1">
+            <a:avLst/>
+          </a:prstGeom>
+          <a:ln w="28575">
+            <a:solidFill>
+              <a:schemeClr val="tx1"/>
+            </a:solidFill>
+            <a:headEnd type="arrow" w="med" len="med"/>
+            <a:tailEnd type="none" w="med" len="med"/>
+          </a:ln>
+        </p:spPr>
+        <p:style>
+          <a:lnRef idx="1">
+            <a:schemeClr val="accent1"/>
+          </a:lnRef>
+          <a:fillRef idx="0">
+            <a:schemeClr val="accent1"/>
+          </a:fillRef>
+          <a:effectRef idx="0">
+            <a:schemeClr val="accent1"/>
+          </a:effectRef>
+          <a:fontRef idx="minor">
+            <a:schemeClr val="tx1"/>
+          </a:fontRef>
+        </p:style>
+      </p:cxnSp>
+      <p:cxnSp>
+        <p:nvCxnSpPr>
+          <p:cNvPr id="38" name="직선 화살표 연결선 37">
+            <a:extLst>
+              <a:ext uri="{FF2B5EF4-FFF2-40B4-BE49-F238E27FC236}">
+                <a16:creationId xmlns:a16="http://schemas.microsoft.com/office/drawing/2014/main" id="{2A412073-A21D-4D72-BE3E-480778AF7F5B}"/>
+              </a:ext>
+            </a:extLst>
+          </p:cNvPr>
+          <p:cNvCxnSpPr>
+            <a:cxnSpLocks/>
+          </p:cNvCxnSpPr>
+          <p:nvPr/>
+        </p:nvCxnSpPr>
+        <p:spPr>
+          <a:xfrm flipV="1">
+            <a:off x="5978253" y="802644"/>
+            <a:ext cx="0" cy="3641486"/>
+          </a:xfrm>
+          <a:prstGeom prst="straightConnector1">
+            <a:avLst/>
+          </a:prstGeom>
+          <a:ln w="28575">
+            <a:solidFill>
+              <a:schemeClr val="tx1"/>
+            </a:solidFill>
+            <a:headEnd type="arrow" w="med" len="med"/>
+            <a:tailEnd type="none" w="med" len="med"/>
+          </a:ln>
+        </p:spPr>
+        <p:style>
+          <a:lnRef idx="1">
+            <a:schemeClr val="accent1"/>
+          </a:lnRef>
+          <a:fillRef idx="0">
+            <a:schemeClr val="accent1"/>
+          </a:fillRef>
+          <a:effectRef idx="0">
+            <a:schemeClr val="accent1"/>
+          </a:effectRef>
+          <a:fontRef idx="minor">
+            <a:schemeClr val="tx1"/>
+          </a:fontRef>
+        </p:style>
+      </p:cxnSp>
+      <p:sp>
+        <p:nvSpPr>
+          <p:cNvPr id="7" name="모서리가 둥근 직사각형 27">
+            <a:extLst>
+              <a:ext uri="{FF2B5EF4-FFF2-40B4-BE49-F238E27FC236}">
+                <a16:creationId xmlns:a16="http://schemas.microsoft.com/office/drawing/2014/main" id="{FA4D8CC0-6096-4595-AA43-6C5B5675343B}"/>
+              </a:ext>
+            </a:extLst>
+          </p:cNvPr>
+          <p:cNvSpPr/>
+          <p:nvPr/>
+        </p:nvSpPr>
+        <p:spPr>
+          <a:xfrm>
+            <a:off x="2506065" y="883439"/>
+            <a:ext cx="1233838" cy="252028"/>
+          </a:xfrm>
+          <a:prstGeom prst="roundRect">
+            <a:avLst/>
+          </a:prstGeom>
+          <a:noFill/>
+          <a:ln>
+            <a:noFill/>
+          </a:ln>
+        </p:spPr>
+        <p:style>
+          <a:lnRef idx="2">
+            <a:schemeClr val="dk1"/>
+          </a:lnRef>
+          <a:fillRef idx="1">
+            <a:schemeClr val="lt1"/>
+          </a:fillRef>
+          <a:effectRef idx="0">
+            <a:schemeClr val="dk1"/>
+          </a:effectRef>
+          <a:fontRef idx="minor">
+            <a:schemeClr val="dk1"/>
+          </a:fontRef>
+        </p:style>
+        <p:txBody>
+          <a:bodyPr rtlCol="0" anchor="ctr"/>
+          <a:lstStyle/>
+          <a:p>
+            <a:pPr algn="ctr"/>
+            <a:r>
+              <a:rPr lang="en-US" altLang="ko-KR" sz="1200"/>
+              <a:t> Create Cache</a:t>
+            </a:r>
+            <a:r>
+              <a:rPr lang="ko-KR" altLang="en-US" sz="1200"/>
+              <a:t> </a:t>
+            </a:r>
+            <a:endParaRPr lang="en-US" altLang="ko-KR" sz="1200"/>
+          </a:p>
+          <a:p>
+            <a:pPr algn="ctr"/>
+            <a:r>
+              <a:rPr lang="en-US" altLang="ko-KR" sz="1200"/>
+              <a:t>Loader, Config</a:t>
+            </a:r>
+          </a:p>
+        </p:txBody>
+      </p:sp>
+      <p:sp>
+        <p:nvSpPr>
+          <p:cNvPr id="50" name="모서리가 둥근 직사각형 27">
+            <a:extLst>
+              <a:ext uri="{FF2B5EF4-FFF2-40B4-BE49-F238E27FC236}">
+                <a16:creationId xmlns:a16="http://schemas.microsoft.com/office/drawing/2014/main" id="{A2FFE427-DE94-46D8-B43B-D63AD2C249E9}"/>
+              </a:ext>
+            </a:extLst>
+          </p:cNvPr>
+          <p:cNvSpPr/>
+          <p:nvPr/>
+        </p:nvSpPr>
+        <p:spPr>
+          <a:xfrm>
+            <a:off x="5940152" y="883439"/>
+            <a:ext cx="1368985" cy="252028"/>
+          </a:xfrm>
+          <a:prstGeom prst="roundRect">
+            <a:avLst/>
+          </a:prstGeom>
+          <a:noFill/>
+          <a:ln>
+            <a:noFill/>
+          </a:ln>
+        </p:spPr>
+        <p:style>
+          <a:lnRef idx="2">
+            <a:schemeClr val="dk1"/>
+          </a:lnRef>
+          <a:fillRef idx="1">
+            <a:schemeClr val="lt1"/>
+          </a:fillRef>
+          <a:effectRef idx="0">
+            <a:schemeClr val="dk1"/>
+          </a:effectRef>
+          <a:fontRef idx="minor">
+            <a:schemeClr val="dk1"/>
+          </a:fontRef>
+        </p:style>
+        <p:txBody>
+          <a:bodyPr rtlCol="0" anchor="ctr"/>
+          <a:lstStyle/>
+          <a:p>
+            <a:pPr algn="ctr"/>
+            <a:r>
+              <a:rPr lang="en-US" altLang="ko-KR" sz="1200"/>
+              <a:t> Create Cache</a:t>
+            </a:r>
+            <a:r>
+              <a:rPr lang="ko-KR" altLang="en-US" sz="1200"/>
+              <a:t> </a:t>
+            </a:r>
+            <a:endParaRPr lang="en-US" altLang="ko-KR" sz="1200"/>
+          </a:p>
+          <a:p>
+            <a:pPr algn="ctr"/>
+            <a:r>
+              <a:rPr lang="en-US" altLang="ko-KR" sz="1200"/>
+              <a:t>Manager, Config</a:t>
+            </a:r>
+          </a:p>
+        </p:txBody>
+      </p:sp>
+      <p:sp>
+        <p:nvSpPr>
+          <p:cNvPr id="53" name="모서리가 둥근 직사각형 3">
+            <a:extLst>
+              <a:ext uri="{FF2B5EF4-FFF2-40B4-BE49-F238E27FC236}">
+                <a16:creationId xmlns:a16="http://schemas.microsoft.com/office/drawing/2014/main" id="{EC501217-FD1B-48AD-9C68-0C6CFA9667AE}"/>
+              </a:ext>
+            </a:extLst>
+          </p:cNvPr>
+          <p:cNvSpPr/>
+          <p:nvPr/>
+        </p:nvSpPr>
+        <p:spPr>
+          <a:xfrm>
+            <a:off x="557907" y="411510"/>
+            <a:ext cx="1437357" cy="391134"/>
+          </a:xfrm>
+          <a:prstGeom prst="roundRect">
+            <a:avLst>
+              <a:gd name="adj" fmla="val 11663"/>
+            </a:avLst>
+          </a:prstGeom>
+        </p:spPr>
+        <p:style>
+          <a:lnRef idx="2">
+            <a:schemeClr val="dk1"/>
+          </a:lnRef>
+          <a:fillRef idx="1">
+            <a:schemeClr val="lt1"/>
+          </a:fillRef>
+          <a:effectRef idx="0">
+            <a:schemeClr val="dk1"/>
+          </a:effectRef>
+          <a:fontRef idx="minor">
+            <a:schemeClr val="dk1"/>
+          </a:fontRef>
+        </p:style>
+        <p:txBody>
+          <a:bodyPr rtlCol="0" anchor="ctr"/>
+          <a:lstStyle/>
+          <a:p>
+            <a:pPr algn="ctr"/>
+            <a:r>
+              <a:rPr lang="en-US" altLang="ko-KR" sz="1400"/>
+              <a:t>Config File</a:t>
+            </a:r>
+            <a:endParaRPr lang="ko-KR" altLang="en-US" sz="1400" dirty="0"/>
+          </a:p>
+        </p:txBody>
+      </p:sp>
+      <p:cxnSp>
+        <p:nvCxnSpPr>
+          <p:cNvPr id="54" name="직선 화살표 연결선 53">
+            <a:extLst>
+              <a:ext uri="{FF2B5EF4-FFF2-40B4-BE49-F238E27FC236}">
+                <a16:creationId xmlns:a16="http://schemas.microsoft.com/office/drawing/2014/main" id="{E7033D70-99FE-4DF4-A476-4BF2B0DB36F4}"/>
+              </a:ext>
+            </a:extLst>
+          </p:cNvPr>
+          <p:cNvCxnSpPr>
+            <a:cxnSpLocks/>
+            <a:stCxn id="2" idx="1"/>
+            <a:endCxn id="53" idx="3"/>
+          </p:cNvCxnSpPr>
+          <p:nvPr/>
+        </p:nvCxnSpPr>
+        <p:spPr>
+          <a:xfrm flipH="1">
+            <a:off x="1995264" y="607077"/>
+            <a:ext cx="488504" cy="0"/>
+          </a:xfrm>
+          <a:prstGeom prst="straightConnector1">
+            <a:avLst/>
+          </a:prstGeom>
+          <a:ln w="28575">
+            <a:solidFill>
+              <a:schemeClr val="tx1"/>
+            </a:solidFill>
+            <a:headEnd type="arrow" w="med" len="med"/>
+            <a:tailEnd type="none" w="med" len="med"/>
           </a:ln>
         </p:spPr>
         <p:style>
@@ -5380,6 +5773,1652 @@
         </p:nvSpPr>
         <p:spPr>
           <a:xfrm>
+            <a:off x="2381126" y="1220119"/>
+            <a:ext cx="3771900" cy="2121059"/>
+          </a:xfrm>
+          <a:prstGeom prst="roundRect">
+            <a:avLst>
+              <a:gd name="adj" fmla="val 6356"/>
+            </a:avLst>
+          </a:prstGeom>
+          <a:ln>
+            <a:prstDash val="dash"/>
+          </a:ln>
+        </p:spPr>
+        <p:style>
+          <a:lnRef idx="2">
+            <a:schemeClr val="dk1"/>
+          </a:lnRef>
+          <a:fillRef idx="1">
+            <a:schemeClr val="lt1"/>
+          </a:fillRef>
+          <a:effectRef idx="0">
+            <a:schemeClr val="dk1"/>
+          </a:effectRef>
+          <a:fontRef idx="minor">
+            <a:schemeClr val="dk1"/>
+          </a:fontRef>
+        </p:style>
+        <p:txBody>
+          <a:bodyPr rtlCol="0" anchor="b"/>
+          <a:lstStyle/>
+          <a:p>
+            <a:pPr algn="ctr"/>
+            <a:r>
+              <a:rPr lang="en-US" altLang="ko-KR" sz="1400"/>
+              <a:t>Workers</a:t>
+            </a:r>
+            <a:endParaRPr lang="ko-KR" altLang="en-US" sz="1400" dirty="0"/>
+          </a:p>
+        </p:txBody>
+      </p:sp>
+      <p:sp>
+        <p:nvSpPr>
+          <p:cNvPr id="6" name="제목 1"/>
+          <p:cNvSpPr>
+            <a:spLocks noGrp="1"/>
+          </p:cNvSpPr>
+          <p:nvPr>
+            <p:ph type="title"/>
+          </p:nvPr>
+        </p:nvSpPr>
+        <p:spPr>
+          <a:xfrm>
+            <a:off x="457200" y="-452586"/>
+            <a:ext cx="8229600" cy="857250"/>
+          </a:xfrm>
+        </p:spPr>
+        <p:txBody>
+          <a:bodyPr>
+            <a:normAutofit/>
+          </a:bodyPr>
+          <a:lstStyle/>
+          <a:p>
+            <a:r>
+              <a:rPr lang="en-US" altLang="ko-KR"/>
+              <a:t>Nginx</a:t>
+            </a:r>
+            <a:r>
+              <a:rPr lang="ko-KR" altLang="en-US"/>
+              <a:t> </a:t>
+            </a:r>
+            <a:r>
+              <a:rPr lang="en-US" altLang="ko-KR"/>
+              <a:t>Architecture</a:t>
+            </a:r>
+            <a:endParaRPr lang="ko-KR" altLang="en-US" dirty="0"/>
+          </a:p>
+        </p:txBody>
+      </p:sp>
+      <p:sp>
+        <p:nvSpPr>
+          <p:cNvPr id="2" name="모서리가 둥근 직사각형 3">
+            <a:extLst>
+              <a:ext uri="{FF2B5EF4-FFF2-40B4-BE49-F238E27FC236}">
+                <a16:creationId xmlns:a16="http://schemas.microsoft.com/office/drawing/2014/main" id="{00B16671-80B1-44D0-B41A-59D9205F3C8F}"/>
+              </a:ext>
+            </a:extLst>
+          </p:cNvPr>
+          <p:cNvSpPr/>
+          <p:nvPr/>
+        </p:nvSpPr>
+        <p:spPr>
+          <a:xfrm>
+            <a:off x="2483768" y="411510"/>
+            <a:ext cx="3564048" cy="391134"/>
+          </a:xfrm>
+          <a:prstGeom prst="roundRect">
+            <a:avLst>
+              <a:gd name="adj" fmla="val 11663"/>
+            </a:avLst>
+          </a:prstGeom>
+        </p:spPr>
+        <p:style>
+          <a:lnRef idx="2">
+            <a:schemeClr val="dk1"/>
+          </a:lnRef>
+          <a:fillRef idx="1">
+            <a:schemeClr val="lt1"/>
+          </a:fillRef>
+          <a:effectRef idx="0">
+            <a:schemeClr val="dk1"/>
+          </a:effectRef>
+          <a:fontRef idx="minor">
+            <a:schemeClr val="dk1"/>
+          </a:fontRef>
+        </p:style>
+        <p:txBody>
+          <a:bodyPr rtlCol="0" anchor="ctr"/>
+          <a:lstStyle/>
+          <a:p>
+            <a:pPr algn="ctr"/>
+            <a:r>
+              <a:rPr lang="en-US" altLang="ko-KR" sz="1400"/>
+              <a:t>Master Process</a:t>
+            </a:r>
+            <a:endParaRPr lang="ko-KR" altLang="en-US" sz="1400" dirty="0"/>
+          </a:p>
+        </p:txBody>
+      </p:sp>
+      <p:sp>
+        <p:nvSpPr>
+          <p:cNvPr id="20" name="모서리가 둥근 직사각형 3">
+            <a:extLst>
+              <a:ext uri="{FF2B5EF4-FFF2-40B4-BE49-F238E27FC236}">
+                <a16:creationId xmlns:a16="http://schemas.microsoft.com/office/drawing/2014/main" id="{6373624F-B6BA-4FC3-B643-081B15C9A3F4}"/>
+              </a:ext>
+            </a:extLst>
+          </p:cNvPr>
+          <p:cNvSpPr/>
+          <p:nvPr/>
+        </p:nvSpPr>
+        <p:spPr>
+          <a:xfrm>
+            <a:off x="2483768" y="1324970"/>
+            <a:ext cx="1080120" cy="1666900"/>
+          </a:xfrm>
+          <a:prstGeom prst="roundRect">
+            <a:avLst>
+              <a:gd name="adj" fmla="val 5720"/>
+            </a:avLst>
+          </a:prstGeom>
+        </p:spPr>
+        <p:style>
+          <a:lnRef idx="2">
+            <a:schemeClr val="dk1"/>
+          </a:lnRef>
+          <a:fillRef idx="1">
+            <a:schemeClr val="lt1"/>
+          </a:fillRef>
+          <a:effectRef idx="0">
+            <a:schemeClr val="dk1"/>
+          </a:effectRef>
+          <a:fontRef idx="minor">
+            <a:schemeClr val="dk1"/>
+          </a:fontRef>
+        </p:style>
+        <p:txBody>
+          <a:bodyPr rtlCol="0" anchor="b"/>
+          <a:lstStyle/>
+          <a:p>
+            <a:pPr algn="ctr"/>
+            <a:r>
+              <a:rPr lang="en-US" altLang="ko-KR" sz="1400"/>
+              <a:t>Worker</a:t>
+            </a:r>
+          </a:p>
+          <a:p>
+            <a:pPr algn="ctr"/>
+            <a:r>
+              <a:rPr lang="en-US" altLang="ko-KR" sz="1400"/>
+              <a:t>Process/</a:t>
+            </a:r>
+          </a:p>
+          <a:p>
+            <a:pPr algn="ctr"/>
+            <a:r>
+              <a:rPr lang="en-US" altLang="ko-KR" sz="1400"/>
+              <a:t>Thread</a:t>
+            </a:r>
+            <a:endParaRPr lang="ko-KR" altLang="en-US" sz="1200" dirty="0"/>
+          </a:p>
+        </p:txBody>
+      </p:sp>
+      <p:sp>
+        <p:nvSpPr>
+          <p:cNvPr id="23" name="모서리가 둥근 직사각형 3">
+            <a:extLst>
+              <a:ext uri="{FF2B5EF4-FFF2-40B4-BE49-F238E27FC236}">
+                <a16:creationId xmlns:a16="http://schemas.microsoft.com/office/drawing/2014/main" id="{54A4688F-CED8-4B0C-80E2-5BB16672677C}"/>
+              </a:ext>
+            </a:extLst>
+          </p:cNvPr>
+          <p:cNvSpPr/>
+          <p:nvPr/>
+        </p:nvSpPr>
+        <p:spPr>
+          <a:xfrm>
+            <a:off x="4967696" y="1324970"/>
+            <a:ext cx="1080120" cy="1666895"/>
+          </a:xfrm>
+          <a:prstGeom prst="roundRect">
+            <a:avLst>
+              <a:gd name="adj" fmla="val 5720"/>
+            </a:avLst>
+          </a:prstGeom>
+        </p:spPr>
+        <p:style>
+          <a:lnRef idx="2">
+            <a:schemeClr val="dk1"/>
+          </a:lnRef>
+          <a:fillRef idx="1">
+            <a:schemeClr val="lt1"/>
+          </a:fillRef>
+          <a:effectRef idx="0">
+            <a:schemeClr val="dk1"/>
+          </a:effectRef>
+          <a:fontRef idx="minor">
+            <a:schemeClr val="dk1"/>
+          </a:fontRef>
+        </p:style>
+        <p:txBody>
+          <a:bodyPr rtlCol="0" anchor="b"/>
+          <a:lstStyle/>
+          <a:p>
+            <a:pPr algn="ctr"/>
+            <a:r>
+              <a:rPr lang="en-US" altLang="ko-KR" sz="1400"/>
+              <a:t>Worker</a:t>
+            </a:r>
+          </a:p>
+          <a:p>
+            <a:pPr algn="ctr"/>
+            <a:r>
+              <a:rPr lang="en-US" altLang="ko-KR" sz="1400"/>
+              <a:t>Process/</a:t>
+            </a:r>
+          </a:p>
+          <a:p>
+            <a:pPr algn="ctr"/>
+            <a:r>
+              <a:rPr lang="en-US" altLang="ko-KR" sz="1400"/>
+              <a:t>Thread</a:t>
+            </a:r>
+            <a:endParaRPr lang="ko-KR" altLang="en-US" sz="1400" dirty="0"/>
+          </a:p>
+        </p:txBody>
+      </p:sp>
+      <p:sp>
+        <p:nvSpPr>
+          <p:cNvPr id="24" name="모서리가 둥근 직사각형 3">
+            <a:extLst>
+              <a:ext uri="{FF2B5EF4-FFF2-40B4-BE49-F238E27FC236}">
+                <a16:creationId xmlns:a16="http://schemas.microsoft.com/office/drawing/2014/main" id="{E655DAB5-A7D9-48D9-91A7-203C2F179A86}"/>
+              </a:ext>
+            </a:extLst>
+          </p:cNvPr>
+          <p:cNvSpPr/>
+          <p:nvPr/>
+        </p:nvSpPr>
+        <p:spPr>
+          <a:xfrm>
+            <a:off x="3725732" y="1324970"/>
+            <a:ext cx="1080120" cy="1666895"/>
+          </a:xfrm>
+          <a:prstGeom prst="roundRect">
+            <a:avLst>
+              <a:gd name="adj" fmla="val 5720"/>
+            </a:avLst>
+          </a:prstGeom>
+        </p:spPr>
+        <p:style>
+          <a:lnRef idx="2">
+            <a:schemeClr val="dk1"/>
+          </a:lnRef>
+          <a:fillRef idx="1">
+            <a:schemeClr val="lt1"/>
+          </a:fillRef>
+          <a:effectRef idx="0">
+            <a:schemeClr val="dk1"/>
+          </a:effectRef>
+          <a:fontRef idx="minor">
+            <a:schemeClr val="dk1"/>
+          </a:fontRef>
+        </p:style>
+        <p:txBody>
+          <a:bodyPr rtlCol="0" anchor="b"/>
+          <a:lstStyle/>
+          <a:p>
+            <a:pPr algn="ctr"/>
+            <a:r>
+              <a:rPr lang="en-US" altLang="ko-KR" sz="1400"/>
+              <a:t>Worker</a:t>
+            </a:r>
+          </a:p>
+          <a:p>
+            <a:pPr algn="ctr"/>
+            <a:r>
+              <a:rPr lang="en-US" altLang="ko-KR" sz="1400"/>
+              <a:t>Process/</a:t>
+            </a:r>
+          </a:p>
+          <a:p>
+            <a:pPr algn="ctr"/>
+            <a:r>
+              <a:rPr lang="en-US" altLang="ko-KR" sz="1400"/>
+              <a:t>Thread</a:t>
+            </a:r>
+            <a:endParaRPr lang="ko-KR" altLang="en-US" sz="1400" dirty="0"/>
+          </a:p>
+        </p:txBody>
+      </p:sp>
+      <p:sp>
+        <p:nvSpPr>
+          <p:cNvPr id="25" name="모서리가 둥근 직사각형 3">
+            <a:extLst>
+              <a:ext uri="{FF2B5EF4-FFF2-40B4-BE49-F238E27FC236}">
+                <a16:creationId xmlns:a16="http://schemas.microsoft.com/office/drawing/2014/main" id="{17A803C4-1698-4219-8B4B-A661AD33D08F}"/>
+              </a:ext>
+            </a:extLst>
+          </p:cNvPr>
+          <p:cNvSpPr/>
+          <p:nvPr/>
+        </p:nvSpPr>
+        <p:spPr>
+          <a:xfrm>
+            <a:off x="2483768" y="3754800"/>
+            <a:ext cx="3564048" cy="605222"/>
+          </a:xfrm>
+          <a:prstGeom prst="roundRect">
+            <a:avLst>
+              <a:gd name="adj" fmla="val 11663"/>
+            </a:avLst>
+          </a:prstGeom>
+        </p:spPr>
+        <p:style>
+          <a:lnRef idx="2">
+            <a:schemeClr val="dk1"/>
+          </a:lnRef>
+          <a:fillRef idx="1">
+            <a:schemeClr val="lt1"/>
+          </a:fillRef>
+          <a:effectRef idx="0">
+            <a:schemeClr val="dk1"/>
+          </a:effectRef>
+          <a:fontRef idx="minor">
+            <a:schemeClr val="dk1"/>
+          </a:fontRef>
+        </p:style>
+        <p:txBody>
+          <a:bodyPr rtlCol="0" anchor="ctr"/>
+          <a:lstStyle/>
+          <a:p>
+            <a:pPr algn="ctr"/>
+            <a:r>
+              <a:rPr lang="en-US" altLang="ko-KR" sz="1400"/>
+              <a:t>Cache </a:t>
+            </a:r>
+          </a:p>
+          <a:p>
+            <a:pPr algn="ctr"/>
+            <a:r>
+              <a:rPr lang="en-US" altLang="ko-KR" sz="1400"/>
+              <a:t>Shared Memory (Key, Meta) / File (Data)  </a:t>
+            </a:r>
+            <a:endParaRPr lang="ko-KR" altLang="en-US" sz="1400" dirty="0"/>
+          </a:p>
+        </p:txBody>
+      </p:sp>
+      <p:sp>
+        <p:nvSpPr>
+          <p:cNvPr id="3" name="화살표: 원형 2">
+            <a:extLst>
+              <a:ext uri="{FF2B5EF4-FFF2-40B4-BE49-F238E27FC236}">
+                <a16:creationId xmlns:a16="http://schemas.microsoft.com/office/drawing/2014/main" id="{14AF1298-B4A6-4AC9-91EC-7344678CEC67}"/>
+              </a:ext>
+            </a:extLst>
+          </p:cNvPr>
+          <p:cNvSpPr/>
+          <p:nvPr/>
+        </p:nvSpPr>
+        <p:spPr>
+          <a:xfrm>
+            <a:off x="2771800" y="1424028"/>
+            <a:ext cx="504056" cy="504056"/>
+          </a:xfrm>
+          <a:prstGeom prst="circularArrow">
+            <a:avLst>
+              <a:gd name="adj1" fmla="val 12500"/>
+              <a:gd name="adj2" fmla="val 1142319"/>
+              <a:gd name="adj3" fmla="val 20457681"/>
+              <a:gd name="adj4" fmla="val 2019607"/>
+              <a:gd name="adj5" fmla="val 12500"/>
+            </a:avLst>
+          </a:prstGeom>
+          <a:solidFill>
+            <a:schemeClr val="tx1"/>
+          </a:solidFill>
+          <a:ln>
+            <a:noFill/>
+          </a:ln>
+        </p:spPr>
+        <p:style>
+          <a:lnRef idx="2">
+            <a:schemeClr val="accent1">
+              <a:shade val="50000"/>
+            </a:schemeClr>
+          </a:lnRef>
+          <a:fillRef idx="1">
+            <a:schemeClr val="accent1"/>
+          </a:fillRef>
+          <a:effectRef idx="0">
+            <a:schemeClr val="accent1"/>
+          </a:effectRef>
+          <a:fontRef idx="minor">
+            <a:schemeClr val="lt1"/>
+          </a:fontRef>
+        </p:style>
+        <p:txBody>
+          <a:bodyPr rtlCol="0" anchor="ctr"/>
+          <a:lstStyle/>
+          <a:p>
+            <a:pPr algn="ctr"/>
+            <a:endParaRPr lang="ko-KR" altLang="en-US">
+              <a:solidFill>
+                <a:schemeClr val="tx1"/>
+              </a:solidFill>
+            </a:endParaRPr>
+          </a:p>
+        </p:txBody>
+      </p:sp>
+      <p:sp>
+        <p:nvSpPr>
+          <p:cNvPr id="28" name="화살표: 원형 27">
+            <a:extLst>
+              <a:ext uri="{FF2B5EF4-FFF2-40B4-BE49-F238E27FC236}">
+                <a16:creationId xmlns:a16="http://schemas.microsoft.com/office/drawing/2014/main" id="{1A877256-96D5-47A4-A787-8D25FE858CA3}"/>
+              </a:ext>
+            </a:extLst>
+          </p:cNvPr>
+          <p:cNvSpPr/>
+          <p:nvPr/>
+        </p:nvSpPr>
+        <p:spPr>
+          <a:xfrm>
+            <a:off x="4010236" y="1424028"/>
+            <a:ext cx="504056" cy="504056"/>
+          </a:xfrm>
+          <a:prstGeom prst="circularArrow">
+            <a:avLst>
+              <a:gd name="adj1" fmla="val 12500"/>
+              <a:gd name="adj2" fmla="val 1142319"/>
+              <a:gd name="adj3" fmla="val 20457681"/>
+              <a:gd name="adj4" fmla="val 2019607"/>
+              <a:gd name="adj5" fmla="val 12500"/>
+            </a:avLst>
+          </a:prstGeom>
+          <a:solidFill>
+            <a:schemeClr val="tx1"/>
+          </a:solidFill>
+          <a:ln>
+            <a:noFill/>
+          </a:ln>
+        </p:spPr>
+        <p:style>
+          <a:lnRef idx="2">
+            <a:schemeClr val="accent1">
+              <a:shade val="50000"/>
+            </a:schemeClr>
+          </a:lnRef>
+          <a:fillRef idx="1">
+            <a:schemeClr val="accent1"/>
+          </a:fillRef>
+          <a:effectRef idx="0">
+            <a:schemeClr val="accent1"/>
+          </a:effectRef>
+          <a:fontRef idx="minor">
+            <a:schemeClr val="lt1"/>
+          </a:fontRef>
+        </p:style>
+        <p:txBody>
+          <a:bodyPr rtlCol="0" anchor="ctr"/>
+          <a:lstStyle/>
+          <a:p>
+            <a:pPr algn="ctr"/>
+            <a:endParaRPr lang="ko-KR" altLang="en-US">
+              <a:solidFill>
+                <a:schemeClr val="tx1"/>
+              </a:solidFill>
+            </a:endParaRPr>
+          </a:p>
+        </p:txBody>
+      </p:sp>
+      <p:sp>
+        <p:nvSpPr>
+          <p:cNvPr id="29" name="화살표: 원형 28">
+            <a:extLst>
+              <a:ext uri="{FF2B5EF4-FFF2-40B4-BE49-F238E27FC236}">
+                <a16:creationId xmlns:a16="http://schemas.microsoft.com/office/drawing/2014/main" id="{7FB326F8-86F4-4B75-9EDC-A6136112E29B}"/>
+              </a:ext>
+            </a:extLst>
+          </p:cNvPr>
+          <p:cNvSpPr/>
+          <p:nvPr/>
+        </p:nvSpPr>
+        <p:spPr>
+          <a:xfrm>
+            <a:off x="5255728" y="1424028"/>
+            <a:ext cx="504056" cy="504056"/>
+          </a:xfrm>
+          <a:prstGeom prst="circularArrow">
+            <a:avLst>
+              <a:gd name="adj1" fmla="val 12500"/>
+              <a:gd name="adj2" fmla="val 1142319"/>
+              <a:gd name="adj3" fmla="val 20457681"/>
+              <a:gd name="adj4" fmla="val 2019607"/>
+              <a:gd name="adj5" fmla="val 12500"/>
+            </a:avLst>
+          </a:prstGeom>
+          <a:solidFill>
+            <a:schemeClr val="tx1"/>
+          </a:solidFill>
+          <a:ln>
+            <a:noFill/>
+          </a:ln>
+        </p:spPr>
+        <p:style>
+          <a:lnRef idx="2">
+            <a:schemeClr val="accent1">
+              <a:shade val="50000"/>
+            </a:schemeClr>
+          </a:lnRef>
+          <a:fillRef idx="1">
+            <a:schemeClr val="accent1"/>
+          </a:fillRef>
+          <a:effectRef idx="0">
+            <a:schemeClr val="accent1"/>
+          </a:effectRef>
+          <a:fontRef idx="minor">
+            <a:schemeClr val="lt1"/>
+          </a:fontRef>
+        </p:style>
+        <p:txBody>
+          <a:bodyPr rtlCol="0" anchor="ctr"/>
+          <a:lstStyle/>
+          <a:p>
+            <a:pPr algn="ctr"/>
+            <a:endParaRPr lang="ko-KR" altLang="en-US">
+              <a:solidFill>
+                <a:schemeClr val="tx1"/>
+              </a:solidFill>
+            </a:endParaRPr>
+          </a:p>
+        </p:txBody>
+      </p:sp>
+      <p:sp>
+        <p:nvSpPr>
+          <p:cNvPr id="5" name="모서리가 둥근 직사각형 3">
+            <a:extLst>
+              <a:ext uri="{FF2B5EF4-FFF2-40B4-BE49-F238E27FC236}">
+                <a16:creationId xmlns:a16="http://schemas.microsoft.com/office/drawing/2014/main" id="{146CEFC2-C216-4528-A0FB-1AE535D42249}"/>
+              </a:ext>
+            </a:extLst>
+          </p:cNvPr>
+          <p:cNvSpPr/>
+          <p:nvPr/>
+        </p:nvSpPr>
+        <p:spPr>
+          <a:xfrm>
+            <a:off x="104075" y="1890235"/>
+            <a:ext cx="1259792" cy="504056"/>
+          </a:xfrm>
+          <a:prstGeom prst="roundRect">
+            <a:avLst>
+              <a:gd name="adj" fmla="val 11663"/>
+            </a:avLst>
+          </a:prstGeom>
+        </p:spPr>
+        <p:style>
+          <a:lnRef idx="2">
+            <a:schemeClr val="dk1"/>
+          </a:lnRef>
+          <a:fillRef idx="1">
+            <a:schemeClr val="lt1"/>
+          </a:fillRef>
+          <a:effectRef idx="0">
+            <a:schemeClr val="dk1"/>
+          </a:effectRef>
+          <a:fontRef idx="minor">
+            <a:schemeClr val="dk1"/>
+          </a:fontRef>
+        </p:style>
+        <p:txBody>
+          <a:bodyPr rtlCol="0" anchor="ctr"/>
+          <a:lstStyle/>
+          <a:p>
+            <a:pPr algn="ctr"/>
+            <a:r>
+              <a:rPr lang="en-US" altLang="ko-KR" sz="1400"/>
+              <a:t>Client</a:t>
+            </a:r>
+            <a:endParaRPr lang="ko-KR" altLang="en-US" sz="1400" dirty="0"/>
+          </a:p>
+        </p:txBody>
+      </p:sp>
+      <p:sp>
+        <p:nvSpPr>
+          <p:cNvPr id="31" name="모서리가 둥근 직사각형 27">
+            <a:extLst>
+              <a:ext uri="{FF2B5EF4-FFF2-40B4-BE49-F238E27FC236}">
+                <a16:creationId xmlns:a16="http://schemas.microsoft.com/office/drawing/2014/main" id="{9D7A0715-3E99-4636-BC9A-4E4AD4A1DC97}"/>
+              </a:ext>
+            </a:extLst>
+          </p:cNvPr>
+          <p:cNvSpPr/>
+          <p:nvPr/>
+        </p:nvSpPr>
+        <p:spPr>
+          <a:xfrm>
+            <a:off x="1244982" y="1688978"/>
+            <a:ext cx="1296144" cy="252028"/>
+          </a:xfrm>
+          <a:prstGeom prst="roundRect">
+            <a:avLst/>
+          </a:prstGeom>
+          <a:noFill/>
+          <a:ln>
+            <a:noFill/>
+          </a:ln>
+        </p:spPr>
+        <p:style>
+          <a:lnRef idx="2">
+            <a:schemeClr val="dk1"/>
+          </a:lnRef>
+          <a:fillRef idx="1">
+            <a:schemeClr val="lt1"/>
+          </a:fillRef>
+          <a:effectRef idx="0">
+            <a:schemeClr val="dk1"/>
+          </a:effectRef>
+          <a:fontRef idx="minor">
+            <a:schemeClr val="dk1"/>
+          </a:fontRef>
+        </p:style>
+        <p:txBody>
+          <a:bodyPr rtlCol="0" anchor="ctr"/>
+          <a:lstStyle/>
+          <a:p>
+            <a:pPr algn="ctr"/>
+            <a:r>
+              <a:rPr lang="en-US" altLang="ko-KR" sz="1200"/>
+              <a:t>HTTP/HTTPS,</a:t>
+            </a:r>
+          </a:p>
+          <a:p>
+            <a:pPr algn="ctr"/>
+            <a:r>
+              <a:rPr lang="en-US" altLang="ko-KR" sz="1200"/>
+              <a:t>TCP/UDP</a:t>
+            </a:r>
+            <a:endParaRPr lang="ko-KR" altLang="en-US" sz="1200" dirty="0"/>
+          </a:p>
+        </p:txBody>
+      </p:sp>
+      <p:sp>
+        <p:nvSpPr>
+          <p:cNvPr id="45" name="모서리가 둥근 직사각형 3">
+            <a:extLst>
+              <a:ext uri="{FF2B5EF4-FFF2-40B4-BE49-F238E27FC236}">
+                <a16:creationId xmlns:a16="http://schemas.microsoft.com/office/drawing/2014/main" id="{B593E69D-20E0-4BCA-93DB-6DF3296CCA5E}"/>
+              </a:ext>
+            </a:extLst>
+          </p:cNvPr>
+          <p:cNvSpPr/>
+          <p:nvPr/>
+        </p:nvSpPr>
+        <p:spPr>
+          <a:xfrm>
+            <a:off x="7187108" y="1220117"/>
+            <a:ext cx="1900237" cy="2121059"/>
+          </a:xfrm>
+          <a:prstGeom prst="roundRect">
+            <a:avLst>
+              <a:gd name="adj" fmla="val 6356"/>
+            </a:avLst>
+          </a:prstGeom>
+          <a:ln>
+            <a:prstDash val="dash"/>
+          </a:ln>
+        </p:spPr>
+        <p:style>
+          <a:lnRef idx="2">
+            <a:schemeClr val="dk1"/>
+          </a:lnRef>
+          <a:fillRef idx="1">
+            <a:schemeClr val="lt1"/>
+          </a:fillRef>
+          <a:effectRef idx="0">
+            <a:schemeClr val="dk1"/>
+          </a:effectRef>
+          <a:fontRef idx="minor">
+            <a:schemeClr val="dk1"/>
+          </a:fontRef>
+        </p:style>
+        <p:txBody>
+          <a:bodyPr rtlCol="0" anchor="b"/>
+          <a:lstStyle/>
+          <a:p>
+            <a:pPr algn="ctr"/>
+            <a:r>
+              <a:rPr lang="en-US" altLang="ko-KR" sz="1400"/>
+              <a:t>Backend</a:t>
+            </a:r>
+            <a:endParaRPr lang="ko-KR" altLang="en-US" sz="1400" dirty="0"/>
+          </a:p>
+        </p:txBody>
+      </p:sp>
+      <p:sp>
+        <p:nvSpPr>
+          <p:cNvPr id="46" name="모서리가 둥근 직사각형 3">
+            <a:extLst>
+              <a:ext uri="{FF2B5EF4-FFF2-40B4-BE49-F238E27FC236}">
+                <a16:creationId xmlns:a16="http://schemas.microsoft.com/office/drawing/2014/main" id="{6CBA5756-9D3E-4C9C-AD26-47373F9EAA1F}"/>
+              </a:ext>
+            </a:extLst>
+          </p:cNvPr>
+          <p:cNvSpPr/>
+          <p:nvPr/>
+        </p:nvSpPr>
+        <p:spPr>
+          <a:xfrm>
+            <a:off x="7284969" y="2530836"/>
+            <a:ext cx="1704516" cy="504056"/>
+          </a:xfrm>
+          <a:prstGeom prst="roundRect">
+            <a:avLst>
+              <a:gd name="adj" fmla="val 11663"/>
+            </a:avLst>
+          </a:prstGeom>
+        </p:spPr>
+        <p:style>
+          <a:lnRef idx="2">
+            <a:schemeClr val="dk1"/>
+          </a:lnRef>
+          <a:fillRef idx="1">
+            <a:schemeClr val="lt1"/>
+          </a:fillRef>
+          <a:effectRef idx="0">
+            <a:schemeClr val="dk1"/>
+          </a:effectRef>
+          <a:fontRef idx="minor">
+            <a:schemeClr val="dk1"/>
+          </a:fontRef>
+        </p:style>
+        <p:txBody>
+          <a:bodyPr rtlCol="0" anchor="ctr"/>
+          <a:lstStyle/>
+          <a:p>
+            <a:pPr algn="ctr"/>
+            <a:r>
+              <a:rPr lang="en-US" altLang="ko-KR" sz="1400"/>
+              <a:t>Memcached, Redis, NoSQL</a:t>
+            </a:r>
+            <a:endParaRPr lang="ko-KR" altLang="en-US" sz="1400" dirty="0"/>
+          </a:p>
+        </p:txBody>
+      </p:sp>
+      <p:sp>
+        <p:nvSpPr>
+          <p:cNvPr id="48" name="모서리가 둥근 직사각형 3">
+            <a:extLst>
+              <a:ext uri="{FF2B5EF4-FFF2-40B4-BE49-F238E27FC236}">
+                <a16:creationId xmlns:a16="http://schemas.microsoft.com/office/drawing/2014/main" id="{E6F77796-C3C6-4960-BCB5-2811052FD5A9}"/>
+              </a:ext>
+            </a:extLst>
+          </p:cNvPr>
+          <p:cNvSpPr/>
+          <p:nvPr/>
+        </p:nvSpPr>
+        <p:spPr>
+          <a:xfrm>
+            <a:off x="7284969" y="1922426"/>
+            <a:ext cx="1704516" cy="504056"/>
+          </a:xfrm>
+          <a:prstGeom prst="roundRect">
+            <a:avLst>
+              <a:gd name="adj" fmla="val 11663"/>
+            </a:avLst>
+          </a:prstGeom>
+        </p:spPr>
+        <p:style>
+          <a:lnRef idx="2">
+            <a:schemeClr val="dk1"/>
+          </a:lnRef>
+          <a:fillRef idx="1">
+            <a:schemeClr val="lt1"/>
+          </a:fillRef>
+          <a:effectRef idx="0">
+            <a:schemeClr val="dk1"/>
+          </a:effectRef>
+          <a:fontRef idx="minor">
+            <a:schemeClr val="dk1"/>
+          </a:fontRef>
+        </p:style>
+        <p:txBody>
+          <a:bodyPr rtlCol="0" anchor="ctr"/>
+          <a:lstStyle/>
+          <a:p>
+            <a:pPr algn="ctr"/>
+            <a:r>
+              <a:rPr lang="en-US" altLang="ko-KR" sz="1400"/>
+              <a:t>App Server</a:t>
+            </a:r>
+            <a:endParaRPr lang="ko-KR" altLang="en-US" sz="1400" dirty="0"/>
+          </a:p>
+        </p:txBody>
+      </p:sp>
+      <p:sp>
+        <p:nvSpPr>
+          <p:cNvPr id="49" name="모서리가 둥근 직사각형 3">
+            <a:extLst>
+              <a:ext uri="{FF2B5EF4-FFF2-40B4-BE49-F238E27FC236}">
+                <a16:creationId xmlns:a16="http://schemas.microsoft.com/office/drawing/2014/main" id="{74245279-2730-4B03-9C1A-925541D1EAA4}"/>
+              </a:ext>
+            </a:extLst>
+          </p:cNvPr>
+          <p:cNvSpPr/>
+          <p:nvPr/>
+        </p:nvSpPr>
+        <p:spPr>
+          <a:xfrm>
+            <a:off x="7284969" y="1314016"/>
+            <a:ext cx="1704516" cy="504056"/>
+          </a:xfrm>
+          <a:prstGeom prst="roundRect">
+            <a:avLst>
+              <a:gd name="adj" fmla="val 11663"/>
+            </a:avLst>
+          </a:prstGeom>
+        </p:spPr>
+        <p:style>
+          <a:lnRef idx="2">
+            <a:schemeClr val="dk1"/>
+          </a:lnRef>
+          <a:fillRef idx="1">
+            <a:schemeClr val="lt1"/>
+          </a:fillRef>
+          <a:effectRef idx="0">
+            <a:schemeClr val="dk1"/>
+          </a:effectRef>
+          <a:fontRef idx="minor">
+            <a:schemeClr val="dk1"/>
+          </a:fontRef>
+        </p:style>
+        <p:txBody>
+          <a:bodyPr rtlCol="0" anchor="ctr"/>
+          <a:lstStyle/>
+          <a:p>
+            <a:pPr algn="ctr"/>
+            <a:r>
+              <a:rPr lang="en-US" altLang="ko-KR" sz="1400"/>
+              <a:t>Web Server</a:t>
+            </a:r>
+            <a:endParaRPr lang="ko-KR" altLang="en-US" sz="1400" dirty="0"/>
+          </a:p>
+        </p:txBody>
+      </p:sp>
+      <p:cxnSp>
+        <p:nvCxnSpPr>
+          <p:cNvPr id="52" name="직선 화살표 연결선 51">
+            <a:extLst>
+              <a:ext uri="{FF2B5EF4-FFF2-40B4-BE49-F238E27FC236}">
+                <a16:creationId xmlns:a16="http://schemas.microsoft.com/office/drawing/2014/main" id="{FEB6F9E8-7CC0-46AA-B1B8-4778F1AD91B9}"/>
+              </a:ext>
+            </a:extLst>
+          </p:cNvPr>
+          <p:cNvCxnSpPr>
+            <a:cxnSpLocks/>
+          </p:cNvCxnSpPr>
+          <p:nvPr/>
+        </p:nvCxnSpPr>
+        <p:spPr>
+          <a:xfrm>
+            <a:off x="3563888" y="2038940"/>
+            <a:ext cx="3623220" cy="0"/>
+          </a:xfrm>
+          <a:prstGeom prst="straightConnector1">
+            <a:avLst/>
+          </a:prstGeom>
+          <a:ln w="28575">
+            <a:solidFill>
+              <a:schemeClr val="tx1"/>
+            </a:solidFill>
+            <a:headEnd type="arrow" w="med" len="med"/>
+            <a:tailEnd type="arrow" w="med" len="med"/>
+          </a:ln>
+        </p:spPr>
+        <p:style>
+          <a:lnRef idx="1">
+            <a:schemeClr val="accent1"/>
+          </a:lnRef>
+          <a:fillRef idx="0">
+            <a:schemeClr val="accent1"/>
+          </a:fillRef>
+          <a:effectRef idx="0">
+            <a:schemeClr val="accent1"/>
+          </a:effectRef>
+          <a:fontRef idx="minor">
+            <a:schemeClr val="tx1"/>
+          </a:fontRef>
+        </p:style>
+      </p:cxnSp>
+      <p:sp>
+        <p:nvSpPr>
+          <p:cNvPr id="65" name="모서리가 둥근 직사각형 27">
+            <a:extLst>
+              <a:ext uri="{FF2B5EF4-FFF2-40B4-BE49-F238E27FC236}">
+                <a16:creationId xmlns:a16="http://schemas.microsoft.com/office/drawing/2014/main" id="{1E5E6352-EC27-430C-B42F-E153787B01F9}"/>
+              </a:ext>
+            </a:extLst>
+          </p:cNvPr>
+          <p:cNvSpPr/>
+          <p:nvPr/>
+        </p:nvSpPr>
+        <p:spPr>
+          <a:xfrm>
+            <a:off x="6026121" y="1444738"/>
+            <a:ext cx="1296144" cy="538622"/>
+          </a:xfrm>
+          <a:prstGeom prst="roundRect">
+            <a:avLst/>
+          </a:prstGeom>
+          <a:noFill/>
+          <a:ln>
+            <a:noFill/>
+          </a:ln>
+        </p:spPr>
+        <p:style>
+          <a:lnRef idx="2">
+            <a:schemeClr val="dk1"/>
+          </a:lnRef>
+          <a:fillRef idx="1">
+            <a:schemeClr val="lt1"/>
+          </a:fillRef>
+          <a:effectRef idx="0">
+            <a:schemeClr val="dk1"/>
+          </a:effectRef>
+          <a:fontRef idx="minor">
+            <a:schemeClr val="dk1"/>
+          </a:fontRef>
+        </p:style>
+        <p:txBody>
+          <a:bodyPr rtlCol="0" anchor="ctr"/>
+          <a:lstStyle/>
+          <a:p>
+            <a:pPr algn="ctr"/>
+            <a:r>
+              <a:rPr lang="en-US" altLang="ko-KR" sz="1200"/>
+              <a:t>HTTP/HTTPS,</a:t>
+            </a:r>
+          </a:p>
+          <a:p>
+            <a:pPr algn="ctr"/>
+            <a:r>
+              <a:rPr lang="en-US" altLang="ko-KR" sz="1200"/>
+              <a:t>FastCGI,</a:t>
+            </a:r>
+          </a:p>
+          <a:p>
+            <a:pPr algn="ctr"/>
+            <a:r>
+              <a:rPr lang="en-US" altLang="ko-KR" sz="1200"/>
+              <a:t>TCP/UDP</a:t>
+            </a:r>
+          </a:p>
+        </p:txBody>
+      </p:sp>
+      <p:cxnSp>
+        <p:nvCxnSpPr>
+          <p:cNvPr id="78" name="직선 화살표 연결선 77">
+            <a:extLst>
+              <a:ext uri="{FF2B5EF4-FFF2-40B4-BE49-F238E27FC236}">
+                <a16:creationId xmlns:a16="http://schemas.microsoft.com/office/drawing/2014/main" id="{FF6D2936-F5B6-478A-B454-2B38DAD3596E}"/>
+              </a:ext>
+            </a:extLst>
+          </p:cNvPr>
+          <p:cNvCxnSpPr>
+            <a:cxnSpLocks/>
+            <a:stCxn id="25" idx="0"/>
+            <a:endCxn id="26" idx="2"/>
+          </p:cNvCxnSpPr>
+          <p:nvPr/>
+        </p:nvCxnSpPr>
+        <p:spPr>
+          <a:xfrm flipV="1">
+            <a:off x="4265792" y="3341178"/>
+            <a:ext cx="1284" cy="413622"/>
+          </a:xfrm>
+          <a:prstGeom prst="straightConnector1">
+            <a:avLst/>
+          </a:prstGeom>
+          <a:ln w="28575">
+            <a:solidFill>
+              <a:schemeClr val="tx1"/>
+            </a:solidFill>
+            <a:headEnd type="arrow" w="med" len="med"/>
+            <a:tailEnd type="arrow" w="med" len="med"/>
+          </a:ln>
+        </p:spPr>
+        <p:style>
+          <a:lnRef idx="1">
+            <a:schemeClr val="accent1"/>
+          </a:lnRef>
+          <a:fillRef idx="0">
+            <a:schemeClr val="accent1"/>
+          </a:fillRef>
+          <a:effectRef idx="0">
+            <a:schemeClr val="accent1"/>
+          </a:effectRef>
+          <a:fontRef idx="minor">
+            <a:schemeClr val="tx1"/>
+          </a:fontRef>
+        </p:style>
+      </p:cxnSp>
+      <p:sp>
+        <p:nvSpPr>
+          <p:cNvPr id="83" name="모서리가 둥근 직사각형 27">
+            <a:extLst>
+              <a:ext uri="{FF2B5EF4-FFF2-40B4-BE49-F238E27FC236}">
+                <a16:creationId xmlns:a16="http://schemas.microsoft.com/office/drawing/2014/main" id="{39F38B5D-153E-45E2-965E-C467B6AA0D10}"/>
+              </a:ext>
+            </a:extLst>
+          </p:cNvPr>
+          <p:cNvSpPr/>
+          <p:nvPr/>
+        </p:nvSpPr>
+        <p:spPr>
+          <a:xfrm>
+            <a:off x="4184397" y="3421977"/>
+            <a:ext cx="1296144" cy="252028"/>
+          </a:xfrm>
+          <a:prstGeom prst="roundRect">
+            <a:avLst/>
+          </a:prstGeom>
+          <a:noFill/>
+          <a:ln>
+            <a:noFill/>
+          </a:ln>
+        </p:spPr>
+        <p:style>
+          <a:lnRef idx="2">
+            <a:schemeClr val="dk1"/>
+          </a:lnRef>
+          <a:fillRef idx="1">
+            <a:schemeClr val="lt1"/>
+          </a:fillRef>
+          <a:effectRef idx="0">
+            <a:schemeClr val="dk1"/>
+          </a:effectRef>
+          <a:fontRef idx="minor">
+            <a:schemeClr val="dk1"/>
+          </a:fontRef>
+        </p:style>
+        <p:txBody>
+          <a:bodyPr rtlCol="0" anchor="ctr"/>
+          <a:lstStyle/>
+          <a:p>
+            <a:pPr algn="ctr"/>
+            <a:r>
+              <a:rPr lang="en-US" altLang="ko-KR" sz="1200"/>
+              <a:t>Sendfile, AIO</a:t>
+            </a:r>
+            <a:endParaRPr lang="ko-KR" altLang="en-US" sz="1200" dirty="0"/>
+          </a:p>
+        </p:txBody>
+      </p:sp>
+      <p:sp>
+        <p:nvSpPr>
+          <p:cNvPr id="85" name="모서리가 둥근 직사각형 27">
+            <a:extLst>
+              <a:ext uri="{FF2B5EF4-FFF2-40B4-BE49-F238E27FC236}">
+                <a16:creationId xmlns:a16="http://schemas.microsoft.com/office/drawing/2014/main" id="{C03D9BFF-F23C-4D8F-AF53-8A77AB300915}"/>
+              </a:ext>
+            </a:extLst>
+          </p:cNvPr>
+          <p:cNvSpPr/>
+          <p:nvPr/>
+        </p:nvSpPr>
+        <p:spPr>
+          <a:xfrm>
+            <a:off x="4211960" y="883439"/>
+            <a:ext cx="1296144" cy="252028"/>
+          </a:xfrm>
+          <a:prstGeom prst="roundRect">
+            <a:avLst/>
+          </a:prstGeom>
+          <a:noFill/>
+          <a:ln>
+            <a:noFill/>
+          </a:ln>
+        </p:spPr>
+        <p:style>
+          <a:lnRef idx="2">
+            <a:schemeClr val="dk1"/>
+          </a:lnRef>
+          <a:fillRef idx="1">
+            <a:schemeClr val="lt1"/>
+          </a:fillRef>
+          <a:effectRef idx="0">
+            <a:schemeClr val="dk1"/>
+          </a:effectRef>
+          <a:fontRef idx="minor">
+            <a:schemeClr val="dk1"/>
+          </a:fontRef>
+        </p:style>
+        <p:txBody>
+          <a:bodyPr rtlCol="0" anchor="ctr"/>
+          <a:lstStyle/>
+          <a:p>
+            <a:pPr algn="ctr"/>
+            <a:r>
+              <a:rPr lang="en-US" altLang="ko-KR" sz="1200"/>
+              <a:t>Load Config,</a:t>
+            </a:r>
+          </a:p>
+          <a:p>
+            <a:pPr algn="ctr"/>
+            <a:r>
+              <a:rPr lang="en-US" altLang="ko-KR" sz="1200"/>
+              <a:t>Create Worker</a:t>
+            </a:r>
+          </a:p>
+        </p:txBody>
+      </p:sp>
+      <p:cxnSp>
+        <p:nvCxnSpPr>
+          <p:cNvPr id="86" name="직선 화살표 연결선 85">
+            <a:extLst>
+              <a:ext uri="{FF2B5EF4-FFF2-40B4-BE49-F238E27FC236}">
+                <a16:creationId xmlns:a16="http://schemas.microsoft.com/office/drawing/2014/main" id="{07F09DA6-65E9-41DA-A95A-745B5AA5A3BE}"/>
+              </a:ext>
+            </a:extLst>
+          </p:cNvPr>
+          <p:cNvCxnSpPr>
+            <a:cxnSpLocks/>
+            <a:stCxn id="26" idx="0"/>
+            <a:endCxn id="2" idx="2"/>
+          </p:cNvCxnSpPr>
+          <p:nvPr/>
+        </p:nvCxnSpPr>
+        <p:spPr>
+          <a:xfrm flipH="1" flipV="1">
+            <a:off x="4265792" y="802644"/>
+            <a:ext cx="1284" cy="417475"/>
+          </a:xfrm>
+          <a:prstGeom prst="straightConnector1">
+            <a:avLst/>
+          </a:prstGeom>
+          <a:ln w="28575">
+            <a:solidFill>
+              <a:schemeClr val="tx1"/>
+            </a:solidFill>
+            <a:headEnd type="arrow" w="med" len="med"/>
+            <a:tailEnd type="none" w="med" len="med"/>
+          </a:ln>
+        </p:spPr>
+        <p:style>
+          <a:lnRef idx="1">
+            <a:schemeClr val="accent1"/>
+          </a:lnRef>
+          <a:fillRef idx="0">
+            <a:schemeClr val="accent1"/>
+          </a:fillRef>
+          <a:effectRef idx="0">
+            <a:schemeClr val="accent1"/>
+          </a:effectRef>
+          <a:fontRef idx="minor">
+            <a:schemeClr val="tx1"/>
+          </a:fontRef>
+        </p:style>
+      </p:cxnSp>
+      <p:cxnSp>
+        <p:nvCxnSpPr>
+          <p:cNvPr id="27" name="직선 화살표 연결선 26">
+            <a:extLst>
+              <a:ext uri="{FF2B5EF4-FFF2-40B4-BE49-F238E27FC236}">
+                <a16:creationId xmlns:a16="http://schemas.microsoft.com/office/drawing/2014/main" id="{25E68D23-E958-46EE-91D9-F2893AB4D425}"/>
+              </a:ext>
+            </a:extLst>
+          </p:cNvPr>
+          <p:cNvCxnSpPr>
+            <a:cxnSpLocks/>
+          </p:cNvCxnSpPr>
+          <p:nvPr/>
+        </p:nvCxnSpPr>
+        <p:spPr>
+          <a:xfrm>
+            <a:off x="1363867" y="2144178"/>
+            <a:ext cx="2361865" cy="0"/>
+          </a:xfrm>
+          <a:prstGeom prst="straightConnector1">
+            <a:avLst/>
+          </a:prstGeom>
+          <a:ln w="28575">
+            <a:solidFill>
+              <a:schemeClr val="tx1"/>
+            </a:solidFill>
+            <a:headEnd type="arrow" w="med" len="med"/>
+            <a:tailEnd type="arrow" w="med" len="med"/>
+          </a:ln>
+        </p:spPr>
+        <p:style>
+          <a:lnRef idx="1">
+            <a:schemeClr val="accent1"/>
+          </a:lnRef>
+          <a:fillRef idx="0">
+            <a:schemeClr val="accent1"/>
+          </a:fillRef>
+          <a:effectRef idx="0">
+            <a:schemeClr val="accent1"/>
+          </a:effectRef>
+          <a:fontRef idx="minor">
+            <a:schemeClr val="tx1"/>
+          </a:fontRef>
+        </p:style>
+      </p:cxnSp>
+      <p:cxnSp>
+        <p:nvCxnSpPr>
+          <p:cNvPr id="30" name="직선 화살표 연결선 29">
+            <a:extLst>
+              <a:ext uri="{FF2B5EF4-FFF2-40B4-BE49-F238E27FC236}">
+                <a16:creationId xmlns:a16="http://schemas.microsoft.com/office/drawing/2014/main" id="{8E3B2BE4-4FA4-40E6-81EF-3D8B4D957809}"/>
+              </a:ext>
+            </a:extLst>
+          </p:cNvPr>
+          <p:cNvCxnSpPr>
+            <a:cxnSpLocks/>
+          </p:cNvCxnSpPr>
+          <p:nvPr/>
+        </p:nvCxnSpPr>
+        <p:spPr>
+          <a:xfrm>
+            <a:off x="4805852" y="2147579"/>
+            <a:ext cx="2381256" cy="0"/>
+          </a:xfrm>
+          <a:prstGeom prst="straightConnector1">
+            <a:avLst/>
+          </a:prstGeom>
+          <a:ln w="28575">
+            <a:solidFill>
+              <a:schemeClr val="tx1"/>
+            </a:solidFill>
+            <a:headEnd type="arrow" w="med" len="med"/>
+            <a:tailEnd type="arrow" w="med" len="med"/>
+          </a:ln>
+        </p:spPr>
+        <p:style>
+          <a:lnRef idx="1">
+            <a:schemeClr val="accent1"/>
+          </a:lnRef>
+          <a:fillRef idx="0">
+            <a:schemeClr val="accent1"/>
+          </a:fillRef>
+          <a:effectRef idx="0">
+            <a:schemeClr val="accent1"/>
+          </a:effectRef>
+          <a:fontRef idx="minor">
+            <a:schemeClr val="tx1"/>
+          </a:fontRef>
+        </p:style>
+      </p:cxnSp>
+      <p:cxnSp>
+        <p:nvCxnSpPr>
+          <p:cNvPr id="36" name="직선 화살표 연결선 35">
+            <a:extLst>
+              <a:ext uri="{FF2B5EF4-FFF2-40B4-BE49-F238E27FC236}">
+                <a16:creationId xmlns:a16="http://schemas.microsoft.com/office/drawing/2014/main" id="{E58B087E-24D2-4B66-862E-7DC284A31720}"/>
+              </a:ext>
+            </a:extLst>
+          </p:cNvPr>
+          <p:cNvCxnSpPr>
+            <a:cxnSpLocks/>
+          </p:cNvCxnSpPr>
+          <p:nvPr/>
+        </p:nvCxnSpPr>
+        <p:spPr>
+          <a:xfrm>
+            <a:off x="1363867" y="2247940"/>
+            <a:ext cx="3603829" cy="0"/>
+          </a:xfrm>
+          <a:prstGeom prst="straightConnector1">
+            <a:avLst/>
+          </a:prstGeom>
+          <a:ln w="28575">
+            <a:solidFill>
+              <a:schemeClr val="tx1"/>
+            </a:solidFill>
+            <a:headEnd type="arrow" w="med" len="med"/>
+            <a:tailEnd type="arrow" w="med" len="med"/>
+          </a:ln>
+        </p:spPr>
+        <p:style>
+          <a:lnRef idx="1">
+            <a:schemeClr val="accent1"/>
+          </a:lnRef>
+          <a:fillRef idx="0">
+            <a:schemeClr val="accent1"/>
+          </a:fillRef>
+          <a:effectRef idx="0">
+            <a:schemeClr val="accent1"/>
+          </a:effectRef>
+          <a:fontRef idx="minor">
+            <a:schemeClr val="tx1"/>
+          </a:fontRef>
+        </p:style>
+      </p:cxnSp>
+      <p:cxnSp>
+        <p:nvCxnSpPr>
+          <p:cNvPr id="40" name="직선 화살표 연결선 39">
+            <a:extLst>
+              <a:ext uri="{FF2B5EF4-FFF2-40B4-BE49-F238E27FC236}">
+                <a16:creationId xmlns:a16="http://schemas.microsoft.com/office/drawing/2014/main" id="{503C4A18-1D24-49AA-8E92-80A06534627A}"/>
+              </a:ext>
+            </a:extLst>
+          </p:cNvPr>
+          <p:cNvCxnSpPr>
+            <a:cxnSpLocks/>
+          </p:cNvCxnSpPr>
+          <p:nvPr/>
+        </p:nvCxnSpPr>
+        <p:spPr>
+          <a:xfrm>
+            <a:off x="6047816" y="2247940"/>
+            <a:ext cx="1139292" cy="0"/>
+          </a:xfrm>
+          <a:prstGeom prst="straightConnector1">
+            <a:avLst/>
+          </a:prstGeom>
+          <a:ln w="28575">
+            <a:solidFill>
+              <a:schemeClr val="tx1"/>
+            </a:solidFill>
+            <a:headEnd type="arrow" w="med" len="med"/>
+            <a:tailEnd type="arrow" w="med" len="med"/>
+          </a:ln>
+        </p:spPr>
+        <p:style>
+          <a:lnRef idx="1">
+            <a:schemeClr val="accent1"/>
+          </a:lnRef>
+          <a:fillRef idx="0">
+            <a:schemeClr val="accent1"/>
+          </a:fillRef>
+          <a:effectRef idx="0">
+            <a:schemeClr val="accent1"/>
+          </a:effectRef>
+          <a:fontRef idx="minor">
+            <a:schemeClr val="tx1"/>
+          </a:fontRef>
+        </p:style>
+      </p:cxnSp>
+      <p:cxnSp>
+        <p:nvCxnSpPr>
+          <p:cNvPr id="43" name="직선 화살표 연결선 42">
+            <a:extLst>
+              <a:ext uri="{FF2B5EF4-FFF2-40B4-BE49-F238E27FC236}">
+                <a16:creationId xmlns:a16="http://schemas.microsoft.com/office/drawing/2014/main" id="{68097A18-AB38-4F46-AA45-78F131FA0742}"/>
+              </a:ext>
+            </a:extLst>
+          </p:cNvPr>
+          <p:cNvCxnSpPr>
+            <a:cxnSpLocks/>
+          </p:cNvCxnSpPr>
+          <p:nvPr/>
+        </p:nvCxnSpPr>
+        <p:spPr>
+          <a:xfrm>
+            <a:off x="1363867" y="2038940"/>
+            <a:ext cx="1119901" cy="0"/>
+          </a:xfrm>
+          <a:prstGeom prst="straightConnector1">
+            <a:avLst/>
+          </a:prstGeom>
+          <a:ln w="28575">
+            <a:solidFill>
+              <a:schemeClr val="tx1"/>
+            </a:solidFill>
+            <a:headEnd type="arrow" w="med" len="med"/>
+            <a:tailEnd type="arrow" w="med" len="med"/>
+          </a:ln>
+        </p:spPr>
+        <p:style>
+          <a:lnRef idx="1">
+            <a:schemeClr val="accent1"/>
+          </a:lnRef>
+          <a:fillRef idx="0">
+            <a:schemeClr val="accent1"/>
+          </a:fillRef>
+          <a:effectRef idx="0">
+            <a:schemeClr val="accent1"/>
+          </a:effectRef>
+          <a:fontRef idx="minor">
+            <a:schemeClr val="tx1"/>
+          </a:fontRef>
+        </p:style>
+      </p:cxnSp>
+      <p:sp>
+        <p:nvSpPr>
+          <p:cNvPr id="34" name="모서리가 둥근 직사각형 3">
+            <a:extLst>
+              <a:ext uri="{FF2B5EF4-FFF2-40B4-BE49-F238E27FC236}">
+                <a16:creationId xmlns:a16="http://schemas.microsoft.com/office/drawing/2014/main" id="{E23AEF04-1B29-45F4-BA81-9EC4FD0492AF}"/>
+              </a:ext>
+            </a:extLst>
+          </p:cNvPr>
+          <p:cNvSpPr/>
+          <p:nvPr/>
+        </p:nvSpPr>
+        <p:spPr>
+          <a:xfrm>
+            <a:off x="2483768" y="4619068"/>
+            <a:ext cx="1700629" cy="432048"/>
+          </a:xfrm>
+          <a:prstGeom prst="roundRect">
+            <a:avLst>
+              <a:gd name="adj" fmla="val 19476"/>
+            </a:avLst>
+          </a:prstGeom>
+        </p:spPr>
+        <p:style>
+          <a:lnRef idx="2">
+            <a:schemeClr val="dk1"/>
+          </a:lnRef>
+          <a:fillRef idx="1">
+            <a:schemeClr val="lt1"/>
+          </a:fillRef>
+          <a:effectRef idx="0">
+            <a:schemeClr val="dk1"/>
+          </a:effectRef>
+          <a:fontRef idx="minor">
+            <a:schemeClr val="dk1"/>
+          </a:fontRef>
+        </p:style>
+        <p:txBody>
+          <a:bodyPr rtlCol="0" anchor="ctr"/>
+          <a:lstStyle/>
+          <a:p>
+            <a:pPr algn="ctr"/>
+            <a:r>
+              <a:rPr lang="en-US" altLang="ko-KR" sz="1400"/>
+              <a:t>Cache Loader Process </a:t>
+            </a:r>
+          </a:p>
+        </p:txBody>
+      </p:sp>
+      <p:sp>
+        <p:nvSpPr>
+          <p:cNvPr id="35" name="모서리가 둥근 직사각형 3">
+            <a:extLst>
+              <a:ext uri="{FF2B5EF4-FFF2-40B4-BE49-F238E27FC236}">
+                <a16:creationId xmlns:a16="http://schemas.microsoft.com/office/drawing/2014/main" id="{7651E8AF-A3B1-4480-B83B-78C0111A5AFB}"/>
+              </a:ext>
+            </a:extLst>
+          </p:cNvPr>
+          <p:cNvSpPr/>
+          <p:nvPr/>
+        </p:nvSpPr>
+        <p:spPr>
+          <a:xfrm>
+            <a:off x="4347187" y="4619068"/>
+            <a:ext cx="1700629" cy="432048"/>
+          </a:xfrm>
+          <a:prstGeom prst="roundRect">
+            <a:avLst>
+              <a:gd name="adj" fmla="val 17913"/>
+            </a:avLst>
+          </a:prstGeom>
+        </p:spPr>
+        <p:style>
+          <a:lnRef idx="2">
+            <a:schemeClr val="dk1"/>
+          </a:lnRef>
+          <a:fillRef idx="1">
+            <a:schemeClr val="lt1"/>
+          </a:fillRef>
+          <a:effectRef idx="0">
+            <a:schemeClr val="dk1"/>
+          </a:effectRef>
+          <a:fontRef idx="minor">
+            <a:schemeClr val="dk1"/>
+          </a:fontRef>
+        </p:style>
+        <p:txBody>
+          <a:bodyPr rtlCol="0" anchor="ctr"/>
+          <a:lstStyle/>
+          <a:p>
+            <a:pPr algn="ctr"/>
+            <a:r>
+              <a:rPr lang="en-US" altLang="ko-KR" sz="1400"/>
+              <a:t>Cache Manager Process</a:t>
+            </a:r>
+          </a:p>
+        </p:txBody>
+      </p:sp>
+      <p:cxnSp>
+        <p:nvCxnSpPr>
+          <p:cNvPr id="37" name="직선 화살표 연결선 36">
+            <a:extLst>
+              <a:ext uri="{FF2B5EF4-FFF2-40B4-BE49-F238E27FC236}">
+                <a16:creationId xmlns:a16="http://schemas.microsoft.com/office/drawing/2014/main" id="{6D316BD2-DC99-41EA-80B2-01D44D96DB45}"/>
+              </a:ext>
+            </a:extLst>
+          </p:cNvPr>
+          <p:cNvCxnSpPr>
+            <a:cxnSpLocks/>
+            <a:endCxn id="34" idx="0"/>
+          </p:cNvCxnSpPr>
+          <p:nvPr/>
+        </p:nvCxnSpPr>
+        <p:spPr>
+          <a:xfrm>
+            <a:off x="3334083" y="4356879"/>
+            <a:ext cx="0" cy="262189"/>
+          </a:xfrm>
+          <a:prstGeom prst="straightConnector1">
+            <a:avLst/>
+          </a:prstGeom>
+          <a:ln w="28575">
+            <a:solidFill>
+              <a:schemeClr val="tx1"/>
+            </a:solidFill>
+            <a:headEnd type="arrow" w="med" len="med"/>
+            <a:tailEnd type="arrow" w="med" len="med"/>
+          </a:ln>
+        </p:spPr>
+        <p:style>
+          <a:lnRef idx="1">
+            <a:schemeClr val="accent1"/>
+          </a:lnRef>
+          <a:fillRef idx="0">
+            <a:schemeClr val="accent1"/>
+          </a:fillRef>
+          <a:effectRef idx="0">
+            <a:schemeClr val="accent1"/>
+          </a:effectRef>
+          <a:fontRef idx="minor">
+            <a:schemeClr val="tx1"/>
+          </a:fontRef>
+        </p:style>
+      </p:cxnSp>
+      <p:cxnSp>
+        <p:nvCxnSpPr>
+          <p:cNvPr id="39" name="직선 화살표 연결선 38">
+            <a:extLst>
+              <a:ext uri="{FF2B5EF4-FFF2-40B4-BE49-F238E27FC236}">
+                <a16:creationId xmlns:a16="http://schemas.microsoft.com/office/drawing/2014/main" id="{CD31D65A-90C9-4003-B448-FD4472921978}"/>
+              </a:ext>
+            </a:extLst>
+          </p:cNvPr>
+          <p:cNvCxnSpPr>
+            <a:cxnSpLocks/>
+          </p:cNvCxnSpPr>
+          <p:nvPr/>
+        </p:nvCxnSpPr>
+        <p:spPr>
+          <a:xfrm>
+            <a:off x="5200555" y="4356879"/>
+            <a:ext cx="0" cy="262189"/>
+          </a:xfrm>
+          <a:prstGeom prst="straightConnector1">
+            <a:avLst/>
+          </a:prstGeom>
+          <a:ln w="28575">
+            <a:solidFill>
+              <a:schemeClr val="tx1"/>
+            </a:solidFill>
+            <a:headEnd type="arrow" w="med" len="med"/>
+            <a:tailEnd type="arrow" w="med" len="med"/>
+          </a:ln>
+        </p:spPr>
+        <p:style>
+          <a:lnRef idx="1">
+            <a:schemeClr val="accent1"/>
+          </a:lnRef>
+          <a:fillRef idx="0">
+            <a:schemeClr val="accent1"/>
+          </a:fillRef>
+          <a:effectRef idx="0">
+            <a:schemeClr val="accent1"/>
+          </a:effectRef>
+          <a:fontRef idx="minor">
+            <a:schemeClr val="tx1"/>
+          </a:fontRef>
+        </p:style>
+      </p:cxnSp>
+    </p:spTree>
+    <p:extLst>
+      <p:ext uri="{BB962C8B-B14F-4D97-AF65-F5344CB8AC3E}">
+        <p14:creationId xmlns:p14="http://schemas.microsoft.com/office/powerpoint/2010/main" val="3266620599"/>
+      </p:ext>
+    </p:extLst>
+  </p:cSld>
+  <p:clrMapOvr>
+    <a:masterClrMapping/>
+  </p:clrMapOvr>
+</p:sld>
+</file>
+
+<file path=ppt/slides/slide4.xml><?xml version="1.0" encoding="utf-8"?>
+<p:sld xmlns:a="http://schemas.openxmlformats.org/drawingml/2006/main" xmlns:r="http://schemas.openxmlformats.org/officeDocument/2006/relationships" xmlns:p="http://schemas.openxmlformats.org/presentationml/2006/main">
+  <p:cSld>
+    <p:spTree>
+      <p:nvGrpSpPr>
+        <p:cNvPr id="1" name=""/>
+        <p:cNvGrpSpPr/>
+        <p:nvPr/>
+      </p:nvGrpSpPr>
+      <p:grpSpPr>
+        <a:xfrm>
+          <a:off x="0" y="0"/>
+          <a:ext cx="0" cy="0"/>
+          <a:chOff x="0" y="0"/>
+          <a:chExt cx="0" cy="0"/>
+        </a:xfrm>
+      </p:grpSpPr>
+      <p:sp>
+        <p:nvSpPr>
+          <p:cNvPr id="26" name="모서리가 둥근 직사각형 3">
+            <a:extLst>
+              <a:ext uri="{FF2B5EF4-FFF2-40B4-BE49-F238E27FC236}">
+                <a16:creationId xmlns:a16="http://schemas.microsoft.com/office/drawing/2014/main" id="{420251E9-3ADA-4686-A60A-5DCE4C6E7A1C}"/>
+              </a:ext>
+            </a:extLst>
+          </p:cNvPr>
+          <p:cNvSpPr/>
+          <p:nvPr/>
+        </p:nvSpPr>
+        <p:spPr>
+          <a:xfrm>
             <a:off x="2381126" y="1952128"/>
             <a:ext cx="3771900" cy="1905038"/>
           </a:xfrm>
@@ -6765,7 +8804,7 @@
 </p:sld>
 </file>
 
-<file path=ppt/slides/slide4.xml><?xml version="1.0" encoding="utf-8"?>
+<file path=ppt/slides/slide5.xml><?xml version="1.0" encoding="utf-8"?>
 <p:sld xmlns:a="http://schemas.openxmlformats.org/drawingml/2006/main" xmlns:r="http://schemas.openxmlformats.org/officeDocument/2006/relationships" xmlns:p="http://schemas.openxmlformats.org/presentationml/2006/main">
   <p:cSld>
     <p:spTree>

--- a/images/theory_analysis/Nginx_Architecture/Nginx_Architecture.pptx
+++ b/images/theory_analysis/Nginx_Architecture/Nginx_Architecture.pptx
@@ -217,7 +217,7 @@
           <a:p>
             <a:fld id="{6CD5550B-26C4-49A9-A5BA-636EF7BE6CE9}" type="datetimeFigureOut">
               <a:rPr lang="ko-KR" altLang="en-US" smtClean="0"/>
-              <a:t>2020-08-22</a:t>
+              <a:t>2020-08-23</a:t>
             </a:fld>
             <a:endParaRPr lang="ko-KR" altLang="en-US"/>
           </a:p>
@@ -1063,7 +1063,7 @@
           <a:p>
             <a:fld id="{FB30EDBD-1C2D-4C1E-B459-B60219FAB484}" type="datetimeFigureOut">
               <a:rPr lang="ko-KR" altLang="en-US" smtClean="0"/>
-              <a:t>2020-08-22</a:t>
+              <a:t>2020-08-23</a:t>
             </a:fld>
             <a:endParaRPr lang="ko-KR" altLang="en-US"/>
           </a:p>
@@ -1226,7 +1226,7 @@
           <a:p>
             <a:fld id="{FB30EDBD-1C2D-4C1E-B459-B60219FAB484}" type="datetimeFigureOut">
               <a:rPr lang="ko-KR" altLang="en-US" smtClean="0"/>
-              <a:t>2020-08-22</a:t>
+              <a:t>2020-08-23</a:t>
             </a:fld>
             <a:endParaRPr lang="ko-KR" altLang="en-US"/>
           </a:p>
@@ -1399,7 +1399,7 @@
           <a:p>
             <a:fld id="{FB30EDBD-1C2D-4C1E-B459-B60219FAB484}" type="datetimeFigureOut">
               <a:rPr lang="ko-KR" altLang="en-US" smtClean="0"/>
-              <a:t>2020-08-22</a:t>
+              <a:t>2020-08-23</a:t>
             </a:fld>
             <a:endParaRPr lang="ko-KR" altLang="en-US"/>
           </a:p>
@@ -1562,7 +1562,7 @@
           <a:p>
             <a:fld id="{FB30EDBD-1C2D-4C1E-B459-B60219FAB484}" type="datetimeFigureOut">
               <a:rPr lang="ko-KR" altLang="en-US" smtClean="0"/>
-              <a:t>2020-08-22</a:t>
+              <a:t>2020-08-23</a:t>
             </a:fld>
             <a:endParaRPr lang="ko-KR" altLang="en-US"/>
           </a:p>
@@ -1802,7 +1802,7 @@
           <a:p>
             <a:fld id="{FB30EDBD-1C2D-4C1E-B459-B60219FAB484}" type="datetimeFigureOut">
               <a:rPr lang="ko-KR" altLang="en-US" smtClean="0"/>
-              <a:t>2020-08-22</a:t>
+              <a:t>2020-08-23</a:t>
             </a:fld>
             <a:endParaRPr lang="ko-KR" altLang="en-US"/>
           </a:p>
@@ -2082,7 +2082,7 @@
           <a:p>
             <a:fld id="{FB30EDBD-1C2D-4C1E-B459-B60219FAB484}" type="datetimeFigureOut">
               <a:rPr lang="ko-KR" altLang="en-US" smtClean="0"/>
-              <a:t>2020-08-22</a:t>
+              <a:t>2020-08-23</a:t>
             </a:fld>
             <a:endParaRPr lang="ko-KR" altLang="en-US"/>
           </a:p>
@@ -2496,7 +2496,7 @@
           <a:p>
             <a:fld id="{FB30EDBD-1C2D-4C1E-B459-B60219FAB484}" type="datetimeFigureOut">
               <a:rPr lang="ko-KR" altLang="en-US" smtClean="0"/>
-              <a:t>2020-08-22</a:t>
+              <a:t>2020-08-23</a:t>
             </a:fld>
             <a:endParaRPr lang="ko-KR" altLang="en-US"/>
           </a:p>
@@ -2608,7 +2608,7 @@
           <a:p>
             <a:fld id="{FB30EDBD-1C2D-4C1E-B459-B60219FAB484}" type="datetimeFigureOut">
               <a:rPr lang="ko-KR" altLang="en-US" smtClean="0"/>
-              <a:t>2020-08-22</a:t>
+              <a:t>2020-08-23</a:t>
             </a:fld>
             <a:endParaRPr lang="ko-KR" altLang="en-US"/>
           </a:p>
@@ -2698,7 +2698,7 @@
           <a:p>
             <a:fld id="{FB30EDBD-1C2D-4C1E-B459-B60219FAB484}" type="datetimeFigureOut">
               <a:rPr lang="ko-KR" altLang="en-US" smtClean="0"/>
-              <a:t>2020-08-22</a:t>
+              <a:t>2020-08-23</a:t>
             </a:fld>
             <a:endParaRPr lang="ko-KR" altLang="en-US"/>
           </a:p>
@@ -2968,7 +2968,7 @@
           <a:p>
             <a:fld id="{FB30EDBD-1C2D-4C1E-B459-B60219FAB484}" type="datetimeFigureOut">
               <a:rPr lang="ko-KR" altLang="en-US" smtClean="0"/>
-              <a:t>2020-08-22</a:t>
+              <a:t>2020-08-23</a:t>
             </a:fld>
             <a:endParaRPr lang="ko-KR" altLang="en-US"/>
           </a:p>
@@ -3215,7 +3215,7 @@
           <a:p>
             <a:fld id="{FB30EDBD-1C2D-4C1E-B459-B60219FAB484}" type="datetimeFigureOut">
               <a:rPr lang="ko-KR" altLang="en-US" smtClean="0"/>
-              <a:t>2020-08-22</a:t>
+              <a:t>2020-08-23</a:t>
             </a:fld>
             <a:endParaRPr lang="ko-KR" altLang="en-US"/>
           </a:p>
@@ -3421,7 +3421,7 @@
           <a:p>
             <a:fld id="{FB30EDBD-1C2D-4C1E-B459-B60219FAB484}" type="datetimeFigureOut">
               <a:rPr lang="ko-KR" altLang="en-US" smtClean="0"/>
-              <a:t>2020-08-22</a:t>
+              <a:t>2020-08-23</a:t>
             </a:fld>
             <a:endParaRPr lang="ko-KR" altLang="en-US"/>
           </a:p>
@@ -4552,7 +4552,7 @@
             <a:pPr algn="ctr"/>
             <a:r>
               <a:rPr lang="en-US" altLang="ko-KR" sz="1400"/>
-              <a:t>Memcached, Redis, NoSQL</a:t>
+              <a:t>NoSQL</a:t>
             </a:r>
             <a:endParaRPr lang="ko-KR" altLang="en-US" sz="1400" dirty="0"/>
           </a:p>
